--- a/05_National_storage_infrastructures.pptx
+++ b/05_National_storage_infrastructures.pptx
@@ -241,7 +241,7 @@
           <a:p>
             <a:fld id="{48DFFBC8-A418-6444-A1F2-AF3DCBD12C89}" type="datetimeFigureOut">
               <a:rPr lang="en-GB" smtClean="0"/>
-              <a:t>16/08/2023</a:t>
+              <a:t>21/08/2023</a:t>
             </a:fld>
             <a:endParaRPr lang="en-GB"/>
           </a:p>
@@ -2791,14 +2791,14 @@
           </a:ln>
           <a:extLst>
             <a:ext uri="{909E8E84-426E-40dd-AFC4-6F175D3DCCD1}">
-              <a14:hiddenFill xmlns="" xmlns:a14="http://schemas.microsoft.com/office/drawing/2010/main">
+              <a14:hiddenFill xmlns:a14="http://schemas.microsoft.com/office/drawing/2010/main" xmlns="">
                 <a:solidFill>
                   <a:srgbClr val="FFFFFF"/>
                 </a:solidFill>
               </a14:hiddenFill>
             </a:ext>
             <a:ext uri="{91240B29-F687-4f45-9708-019B960494DF}">
-              <a14:hiddenLine xmlns="" xmlns:a14="http://schemas.microsoft.com/office/drawing/2010/main" w="9525">
+              <a14:hiddenLine xmlns:a14="http://schemas.microsoft.com/office/drawing/2010/main" xmlns="" w="9525">
                 <a:solidFill>
                   <a:srgbClr val="000000"/>
                 </a:solidFill>
@@ -3103,14 +3103,14 @@
           </a:ln>
           <a:extLst>
             <a:ext uri="{909E8E84-426E-40dd-AFC4-6F175D3DCCD1}">
-              <a14:hiddenFill xmlns="" xmlns:a14="http://schemas.microsoft.com/office/drawing/2010/main">
+              <a14:hiddenFill xmlns:a14="http://schemas.microsoft.com/office/drawing/2010/main" xmlns="">
                 <a:solidFill>
                   <a:srgbClr val="FFFFFF"/>
                 </a:solidFill>
               </a14:hiddenFill>
             </a:ext>
             <a:ext uri="{91240B29-F687-4f45-9708-019B960494DF}">
-              <a14:hiddenLine xmlns="" xmlns:a14="http://schemas.microsoft.com/office/drawing/2010/main" w="9525">
+              <a14:hiddenLine xmlns:a14="http://schemas.microsoft.com/office/drawing/2010/main" xmlns="" w="9525">
                 <a:solidFill>
                   <a:srgbClr val="000000"/>
                 </a:solidFill>
@@ -3144,14 +3144,14 @@
           </a:ln>
           <a:extLst>
             <a:ext uri="{909E8E84-426E-40dd-AFC4-6F175D3DCCD1}">
-              <a14:hiddenFill xmlns="" xmlns:a14="http://schemas.microsoft.com/office/drawing/2010/main">
+              <a14:hiddenFill xmlns:a14="http://schemas.microsoft.com/office/drawing/2010/main" xmlns="">
                 <a:solidFill>
                   <a:srgbClr val="FFFFFF"/>
                 </a:solidFill>
               </a14:hiddenFill>
             </a:ext>
             <a:ext uri="{91240B29-F687-4f45-9708-019B960494DF}">
-              <a14:hiddenLine xmlns="" xmlns:a14="http://schemas.microsoft.com/office/drawing/2010/main" w="9525">
+              <a14:hiddenLine xmlns:a14="http://schemas.microsoft.com/office/drawing/2010/main" xmlns="" w="9525">
                 <a:solidFill>
                   <a:srgbClr val="000000"/>
                 </a:solidFill>
@@ -3356,14 +3356,14 @@
           </a:ln>
           <a:extLst>
             <a:ext uri="{909E8E84-426E-40dd-AFC4-6F175D3DCCD1}">
-              <a14:hiddenFill xmlns="" xmlns:a14="http://schemas.microsoft.com/office/drawing/2010/main">
+              <a14:hiddenFill xmlns:a14="http://schemas.microsoft.com/office/drawing/2010/main" xmlns="">
                 <a:solidFill>
                   <a:srgbClr val="FFFFFF"/>
                 </a:solidFill>
               </a14:hiddenFill>
             </a:ext>
             <a:ext uri="{91240B29-F687-4f45-9708-019B960494DF}">
-              <a14:hiddenLine xmlns="" xmlns:a14="http://schemas.microsoft.com/office/drawing/2010/main" w="9525">
+              <a14:hiddenLine xmlns:a14="http://schemas.microsoft.com/office/drawing/2010/main" xmlns="" w="9525">
                 <a:solidFill>
                   <a:srgbClr val="000000"/>
                 </a:solidFill>
@@ -3410,14 +3410,14 @@
           </a:ln>
           <a:extLst>
             <a:ext uri="{909E8E84-426E-40dd-AFC4-6F175D3DCCD1}">
-              <a14:hiddenFill xmlns="" xmlns:a14="http://schemas.microsoft.com/office/drawing/2010/main">
+              <a14:hiddenFill xmlns:a14="http://schemas.microsoft.com/office/drawing/2010/main" xmlns="">
                 <a:solidFill>
                   <a:srgbClr val="FFFFFF"/>
                 </a:solidFill>
               </a14:hiddenFill>
             </a:ext>
             <a:ext uri="{91240B29-F687-4f45-9708-019B960494DF}">
-              <a14:hiddenLine xmlns="" xmlns:a14="http://schemas.microsoft.com/office/drawing/2010/main" w="9525">
+              <a14:hiddenLine xmlns:a14="http://schemas.microsoft.com/office/drawing/2010/main" xmlns="" w="9525">
                 <a:solidFill>
                   <a:srgbClr val="000000"/>
                 </a:solidFill>
@@ -3451,14 +3451,14 @@
           </a:ln>
           <a:extLst>
             <a:ext uri="{909E8E84-426E-40dd-AFC4-6F175D3DCCD1}">
-              <a14:hiddenFill xmlns="" xmlns:a14="http://schemas.microsoft.com/office/drawing/2010/main">
+              <a14:hiddenFill xmlns:a14="http://schemas.microsoft.com/office/drawing/2010/main" xmlns="">
                 <a:solidFill>
                   <a:srgbClr val="FFFFFF"/>
                 </a:solidFill>
               </a14:hiddenFill>
             </a:ext>
             <a:ext uri="{91240B29-F687-4f45-9708-019B960494DF}">
-              <a14:hiddenLine xmlns="" xmlns:a14="http://schemas.microsoft.com/office/drawing/2010/main" w="9525">
+              <a14:hiddenLine xmlns:a14="http://schemas.microsoft.com/office/drawing/2010/main" xmlns="" w="9525">
                 <a:solidFill>
                   <a:srgbClr val="000000"/>
                 </a:solidFill>
@@ -3749,14 +3749,14 @@
           </a:ln>
           <a:extLst>
             <a:ext uri="{909E8E84-426E-40dd-AFC4-6F175D3DCCD1}">
-              <a14:hiddenFill xmlns="" xmlns:a14="http://schemas.microsoft.com/office/drawing/2010/main">
+              <a14:hiddenFill xmlns:a14="http://schemas.microsoft.com/office/drawing/2010/main" xmlns="">
                 <a:solidFill>
                   <a:srgbClr val="FFFFFF"/>
                 </a:solidFill>
               </a14:hiddenFill>
             </a:ext>
             <a:ext uri="{91240B29-F687-4f45-9708-019B960494DF}">
-              <a14:hiddenLine xmlns="" xmlns:a14="http://schemas.microsoft.com/office/drawing/2010/main" w="9525">
+              <a14:hiddenLine xmlns:a14="http://schemas.microsoft.com/office/drawing/2010/main" xmlns="" w="9525">
                 <a:solidFill>
                   <a:srgbClr val="000000"/>
                 </a:solidFill>
@@ -3803,14 +3803,14 @@
           </a:ln>
           <a:extLst>
             <a:ext uri="{909E8E84-426E-40dd-AFC4-6F175D3DCCD1}">
-              <a14:hiddenFill xmlns="" xmlns:a14="http://schemas.microsoft.com/office/drawing/2010/main">
+              <a14:hiddenFill xmlns:a14="http://schemas.microsoft.com/office/drawing/2010/main" xmlns="">
                 <a:solidFill>
                   <a:srgbClr val="FFFFFF"/>
                 </a:solidFill>
               </a14:hiddenFill>
             </a:ext>
             <a:ext uri="{91240B29-F687-4f45-9708-019B960494DF}">
-              <a14:hiddenLine xmlns="" xmlns:a14="http://schemas.microsoft.com/office/drawing/2010/main" w="9525">
+              <a14:hiddenLine xmlns:a14="http://schemas.microsoft.com/office/drawing/2010/main" xmlns="" w="9525">
                 <a:solidFill>
                   <a:srgbClr val="000000"/>
                 </a:solidFill>
@@ -3857,14 +3857,14 @@
           </a:ln>
           <a:extLst>
             <a:ext uri="{909E8E84-426E-40dd-AFC4-6F175D3DCCD1}">
-              <a14:hiddenFill xmlns="" xmlns:a14="http://schemas.microsoft.com/office/drawing/2010/main">
+              <a14:hiddenFill xmlns:a14="http://schemas.microsoft.com/office/drawing/2010/main" xmlns="">
                 <a:solidFill>
                   <a:srgbClr val="FFFFFF"/>
                 </a:solidFill>
               </a14:hiddenFill>
             </a:ext>
             <a:ext uri="{91240B29-F687-4f45-9708-019B960494DF}">
-              <a14:hiddenLine xmlns="" xmlns:a14="http://schemas.microsoft.com/office/drawing/2010/main" w="9525">
+              <a14:hiddenLine xmlns:a14="http://schemas.microsoft.com/office/drawing/2010/main" xmlns="" w="9525">
                 <a:solidFill>
                   <a:srgbClr val="000000"/>
                 </a:solidFill>
@@ -3898,14 +3898,14 @@
           </a:ln>
           <a:extLst>
             <a:ext uri="{909E8E84-426E-40dd-AFC4-6F175D3DCCD1}">
-              <a14:hiddenFill xmlns="" xmlns:a14="http://schemas.microsoft.com/office/drawing/2010/main">
+              <a14:hiddenFill xmlns:a14="http://schemas.microsoft.com/office/drawing/2010/main" xmlns="">
                 <a:solidFill>
                   <a:srgbClr val="FFFFFF"/>
                 </a:solidFill>
               </a14:hiddenFill>
             </a:ext>
             <a:ext uri="{91240B29-F687-4f45-9708-019B960494DF}">
-              <a14:hiddenLine xmlns="" xmlns:a14="http://schemas.microsoft.com/office/drawing/2010/main" w="9525">
+              <a14:hiddenLine xmlns:a14="http://schemas.microsoft.com/office/drawing/2010/main" xmlns="" w="9525">
                 <a:solidFill>
                   <a:srgbClr val="000000"/>
                 </a:solidFill>
@@ -4075,14 +4075,14 @@
           </a:ln>
           <a:extLst>
             <a:ext uri="{909E8E84-426E-40dd-AFC4-6F175D3DCCD1}">
-              <a14:hiddenFill xmlns="" xmlns:a14="http://schemas.microsoft.com/office/drawing/2010/main">
+              <a14:hiddenFill xmlns:a14="http://schemas.microsoft.com/office/drawing/2010/main" xmlns="">
                 <a:solidFill>
                   <a:srgbClr val="FFFFFF"/>
                 </a:solidFill>
               </a14:hiddenFill>
             </a:ext>
             <a:ext uri="{91240B29-F687-4f45-9708-019B960494DF}">
-              <a14:hiddenLine xmlns="" xmlns:a14="http://schemas.microsoft.com/office/drawing/2010/main" w="9525">
+              <a14:hiddenLine xmlns:a14="http://schemas.microsoft.com/office/drawing/2010/main" xmlns="" w="9525">
                 <a:solidFill>
                   <a:srgbClr val="000000"/>
                 </a:solidFill>
@@ -4276,14 +4276,14 @@
           </a:ln>
           <a:extLst>
             <a:ext uri="{909E8E84-426E-40dd-AFC4-6F175D3DCCD1}">
-              <a14:hiddenFill xmlns="" xmlns:a14="http://schemas.microsoft.com/office/drawing/2010/main">
+              <a14:hiddenFill xmlns:a14="http://schemas.microsoft.com/office/drawing/2010/main" xmlns="">
                 <a:solidFill>
                   <a:srgbClr val="FFFFFF"/>
                 </a:solidFill>
               </a14:hiddenFill>
             </a:ext>
             <a:ext uri="{91240B29-F687-4f45-9708-019B960494DF}">
-              <a14:hiddenLine xmlns="" xmlns:a14="http://schemas.microsoft.com/office/drawing/2010/main" w="9525">
+              <a14:hiddenLine xmlns:a14="http://schemas.microsoft.com/office/drawing/2010/main" xmlns="" w="9525">
                 <a:solidFill>
                   <a:srgbClr val="000000"/>
                 </a:solidFill>
@@ -4317,14 +4317,14 @@
           </a:ln>
           <a:extLst>
             <a:ext uri="{909E8E84-426E-40dd-AFC4-6F175D3DCCD1}">
-              <a14:hiddenFill xmlns="" xmlns:a14="http://schemas.microsoft.com/office/drawing/2010/main">
+              <a14:hiddenFill xmlns:a14="http://schemas.microsoft.com/office/drawing/2010/main" xmlns="">
                 <a:solidFill>
                   <a:srgbClr val="FFFFFF"/>
                 </a:solidFill>
               </a14:hiddenFill>
             </a:ext>
             <a:ext uri="{91240B29-F687-4f45-9708-019B960494DF}">
-              <a14:hiddenLine xmlns="" xmlns:a14="http://schemas.microsoft.com/office/drawing/2010/main" w="9525">
+              <a14:hiddenLine xmlns:a14="http://schemas.microsoft.com/office/drawing/2010/main" xmlns="" w="9525">
                 <a:solidFill>
                   <a:srgbClr val="000000"/>
                 </a:solidFill>
@@ -4749,14 +4749,14 @@
           </a:ln>
           <a:extLst>
             <a:ext uri="{909E8E84-426E-40dd-AFC4-6F175D3DCCD1}">
-              <a14:hiddenFill xmlns="" xmlns:a14="http://schemas.microsoft.com/office/drawing/2010/main">
+              <a14:hiddenFill xmlns:a14="http://schemas.microsoft.com/office/drawing/2010/main" xmlns="">
                 <a:solidFill>
                   <a:srgbClr val="FFFFFF"/>
                 </a:solidFill>
               </a14:hiddenFill>
             </a:ext>
             <a:ext uri="{91240B29-F687-4f45-9708-019B960494DF}">
-              <a14:hiddenLine xmlns="" xmlns:a14="http://schemas.microsoft.com/office/drawing/2010/main" w="9525">
+              <a14:hiddenLine xmlns:a14="http://schemas.microsoft.com/office/drawing/2010/main" xmlns="" w="9525">
                 <a:solidFill>
                   <a:srgbClr val="000000"/>
                 </a:solidFill>
@@ -4803,14 +4803,14 @@
           </a:ln>
           <a:extLst>
             <a:ext uri="{909E8E84-426E-40dd-AFC4-6F175D3DCCD1}">
-              <a14:hiddenFill xmlns="" xmlns:a14="http://schemas.microsoft.com/office/drawing/2010/main">
+              <a14:hiddenFill xmlns:a14="http://schemas.microsoft.com/office/drawing/2010/main" xmlns="">
                 <a:solidFill>
                   <a:srgbClr val="FFFFFF"/>
                 </a:solidFill>
               </a14:hiddenFill>
             </a:ext>
             <a:ext uri="{91240B29-F687-4f45-9708-019B960494DF}">
-              <a14:hiddenLine xmlns="" xmlns:a14="http://schemas.microsoft.com/office/drawing/2010/main" w="9525">
+              <a14:hiddenLine xmlns:a14="http://schemas.microsoft.com/office/drawing/2010/main" xmlns="" w="9525">
                 <a:solidFill>
                   <a:srgbClr val="000000"/>
                 </a:solidFill>
@@ -4943,14 +4943,14 @@
           </a:ln>
           <a:extLst>
             <a:ext uri="{909E8E84-426E-40dd-AFC4-6F175D3DCCD1}">
-              <a14:hiddenFill xmlns="" xmlns:a14="http://schemas.microsoft.com/office/drawing/2010/main">
+              <a14:hiddenFill xmlns:a14="http://schemas.microsoft.com/office/drawing/2010/main" xmlns="">
                 <a:solidFill>
                   <a:srgbClr val="FFFFFF"/>
                 </a:solidFill>
               </a14:hiddenFill>
             </a:ext>
             <a:ext uri="{91240B29-F687-4f45-9708-019B960494DF}">
-              <a14:hiddenLine xmlns="" xmlns:a14="http://schemas.microsoft.com/office/drawing/2010/main" w="9525">
+              <a14:hiddenLine xmlns:a14="http://schemas.microsoft.com/office/drawing/2010/main" xmlns="" w="9525">
                 <a:solidFill>
                   <a:srgbClr val="000000"/>
                 </a:solidFill>
@@ -5177,14 +5177,14 @@
           </a:ln>
           <a:extLst>
             <a:ext uri="{909E8E84-426E-40dd-AFC4-6F175D3DCCD1}">
-              <a14:hiddenFill xmlns="" xmlns:a14="http://schemas.microsoft.com/office/drawing/2010/main">
+              <a14:hiddenFill xmlns:a14="http://schemas.microsoft.com/office/drawing/2010/main" xmlns="">
                 <a:solidFill>
                   <a:srgbClr val="FFFFFF"/>
                 </a:solidFill>
               </a14:hiddenFill>
             </a:ext>
             <a:ext uri="{91240B29-F687-4f45-9708-019B960494DF}">
-              <a14:hiddenLine xmlns="" xmlns:a14="http://schemas.microsoft.com/office/drawing/2010/main" w="9525">
+              <a14:hiddenLine xmlns:a14="http://schemas.microsoft.com/office/drawing/2010/main" xmlns="" w="9525">
                 <a:solidFill>
                   <a:srgbClr val="000000"/>
                 </a:solidFill>
@@ -5286,17 +5286,17 @@
           </a:ln>
           <a:extLst>
             <a:ext uri="{FAA26D3D-D897-4be2-8F04-BA451C77F1D7}">
-              <ma14:placeholderFlag xmlns="" xmlns:ma14="http://schemas.microsoft.com/office/mac/drawingml/2011/main" val="1"/>
+              <ma14:placeholderFlag xmlns:ma14="http://schemas.microsoft.com/office/mac/drawingml/2011/main" xmlns="" val="1"/>
             </a:ext>
             <a:ext uri="{909E8E84-426E-40dd-AFC4-6F175D3DCCD1}">
-              <a14:hiddenFill xmlns="" xmlns:a14="http://schemas.microsoft.com/office/drawing/2010/main">
+              <a14:hiddenFill xmlns:a14="http://schemas.microsoft.com/office/drawing/2010/main" xmlns="">
                 <a:solidFill>
                   <a:srgbClr val="FFFFFF"/>
                 </a:solidFill>
               </a14:hiddenFill>
             </a:ext>
             <a:ext uri="{91240B29-F687-4f45-9708-019B960494DF}">
-              <a14:hiddenLine xmlns="" xmlns:a14="http://schemas.microsoft.com/office/drawing/2010/main" w="9525">
+              <a14:hiddenLine xmlns:a14="http://schemas.microsoft.com/office/drawing/2010/main" xmlns="" w="9525">
                 <a:solidFill>
                   <a:srgbClr val="000000"/>
                 </a:solidFill>
@@ -5347,17 +5347,17 @@
           </a:ln>
           <a:extLst>
             <a:ext uri="{FAA26D3D-D897-4be2-8F04-BA451C77F1D7}">
-              <ma14:placeholderFlag xmlns="" xmlns:ma14="http://schemas.microsoft.com/office/mac/drawingml/2011/main" val="1"/>
+              <ma14:placeholderFlag xmlns:ma14="http://schemas.microsoft.com/office/mac/drawingml/2011/main" xmlns="" val="1"/>
             </a:ext>
             <a:ext uri="{909E8E84-426E-40dd-AFC4-6F175D3DCCD1}">
-              <a14:hiddenFill xmlns="" xmlns:a14="http://schemas.microsoft.com/office/drawing/2010/main">
+              <a14:hiddenFill xmlns:a14="http://schemas.microsoft.com/office/drawing/2010/main" xmlns="">
                 <a:solidFill>
                   <a:srgbClr val="FFFFFF"/>
                 </a:solidFill>
               </a14:hiddenFill>
             </a:ext>
             <a:ext uri="{91240B29-F687-4f45-9708-019B960494DF}">
-              <a14:hiddenLine xmlns="" xmlns:a14="http://schemas.microsoft.com/office/drawing/2010/main" w="9525">
+              <a14:hiddenLine xmlns:a14="http://schemas.microsoft.com/office/drawing/2010/main" xmlns="" w="9525">
                 <a:solidFill>
                   <a:srgbClr val="000000"/>
                 </a:solidFill>
@@ -7524,17 +7524,17 @@
           </a:ln>
           <a:extLst>
             <a:ext uri="{FAA26D3D-D897-4be2-8F04-BA451C77F1D7}">
-              <ma14:placeholderFlag xmlns="" xmlns:ma14="http://schemas.microsoft.com/office/mac/drawingml/2011/main" val="1"/>
+              <ma14:placeholderFlag xmlns:ma14="http://schemas.microsoft.com/office/mac/drawingml/2011/main" xmlns="" val="1"/>
             </a:ext>
             <a:ext uri="{909E8E84-426E-40dd-AFC4-6F175D3DCCD1}">
-              <a14:hiddenFill xmlns="" xmlns:a14="http://schemas.microsoft.com/office/drawing/2010/main">
+              <a14:hiddenFill xmlns:a14="http://schemas.microsoft.com/office/drawing/2010/main" xmlns="">
                 <a:solidFill>
                   <a:srgbClr val="FFFFFF"/>
                 </a:solidFill>
               </a14:hiddenFill>
             </a:ext>
             <a:ext uri="{91240B29-F687-4f45-9708-019B960494DF}">
-              <a14:hiddenLine xmlns="" xmlns:a14="http://schemas.microsoft.com/office/drawing/2010/main" w="9525">
+              <a14:hiddenLine xmlns:a14="http://schemas.microsoft.com/office/drawing/2010/main" xmlns="" w="9525">
                 <a:solidFill>
                   <a:srgbClr val="000000"/>
                 </a:solidFill>
@@ -7738,17 +7738,17 @@
           </a:ln>
           <a:extLst>
             <a:ext uri="{FAA26D3D-D897-4be2-8F04-BA451C77F1D7}">
-              <ma14:placeholderFlag xmlns="" xmlns:ma14="http://schemas.microsoft.com/office/mac/drawingml/2011/main" val="1"/>
+              <ma14:placeholderFlag xmlns:ma14="http://schemas.microsoft.com/office/mac/drawingml/2011/main" xmlns="" val="1"/>
             </a:ext>
             <a:ext uri="{909E8E84-426E-40dd-AFC4-6F175D3DCCD1}">
-              <a14:hiddenFill xmlns="" xmlns:a14="http://schemas.microsoft.com/office/drawing/2010/main">
+              <a14:hiddenFill xmlns:a14="http://schemas.microsoft.com/office/drawing/2010/main" xmlns="">
                 <a:solidFill>
                   <a:srgbClr val="FFFFFF"/>
                 </a:solidFill>
               </a14:hiddenFill>
             </a:ext>
             <a:ext uri="{91240B29-F687-4f45-9708-019B960494DF}">
-              <a14:hiddenLine xmlns="" xmlns:a14="http://schemas.microsoft.com/office/drawing/2010/main" w="9525">
+              <a14:hiddenLine xmlns:a14="http://schemas.microsoft.com/office/drawing/2010/main" xmlns="" w="9525">
                 <a:solidFill>
                   <a:srgbClr val="000000"/>
                 </a:solidFill>
@@ -8980,10 +8980,10 @@
       </p:grpSpPr>
       <p:sp>
         <p:nvSpPr>
-          <p:cNvPr id="38" name="Rectangle 37">
+          <p:cNvPr id="36" name="Rectangle 35">
             <a:extLst>
               <a:ext uri="{FF2B5EF4-FFF2-40B4-BE49-F238E27FC236}">
-                <a16:creationId xmlns:a16="http://schemas.microsoft.com/office/drawing/2014/main" id="{C41F0E69-30F2-574D-96CC-D37BEE916887}"/>
+                <a16:creationId xmlns:a16="http://schemas.microsoft.com/office/drawing/2014/main" id="{4E79C2BF-BF71-D545-86CA-D9E56C0D6DE0}"/>
               </a:ext>
             </a:extLst>
           </p:cNvPr>
@@ -8992,14 +8992,14 @@
         </p:nvSpPr>
         <p:spPr bwMode="auto">
           <a:xfrm>
-            <a:off x="7810265" y="2052061"/>
+            <a:off x="984456" y="2052061"/>
             <a:ext cx="3448079" cy="3214206"/>
           </a:xfrm>
           <a:prstGeom prst="rect">
             <a:avLst/>
           </a:prstGeom>
           <a:solidFill>
-            <a:srgbClr val="FF0000"/>
+            <a:schemeClr val="accent5"/>
           </a:solidFill>
           <a:ln w="57150" cap="flat" cmpd="sng" algn="ctr">
             <a:solidFill>
@@ -9053,10 +9053,250 @@
       </p:sp>
       <p:sp>
         <p:nvSpPr>
-          <p:cNvPr id="36" name="Rectangle 35">
+          <p:cNvPr id="108" name="Google Shape;108;gc079e62e23_0_58"/>
+          <p:cNvSpPr txBox="1">
+            <a:spLocks noGrp="1"/>
+          </p:cNvSpPr>
+          <p:nvPr>
+            <p:ph type="title"/>
+          </p:nvPr>
+        </p:nvSpPr>
+        <p:spPr>
+          <a:xfrm>
+            <a:off x="719403" y="332656"/>
+            <a:ext cx="10871100" cy="648000"/>
+          </a:xfrm>
+          <a:prstGeom prst="rect">
+            <a:avLst/>
+          </a:prstGeom>
+          <a:noFill/>
+          <a:ln>
+            <a:noFill/>
+          </a:ln>
+        </p:spPr>
+        <p:txBody>
+          <a:bodyPr spcFirstLastPara="1" wrap="square" lIns="0" tIns="0" rIns="0" bIns="0" anchor="t" anchorCtr="0">
+            <a:noAutofit/>
+          </a:bodyPr>
+          <a:lstStyle/>
+          <a:p>
+            <a:pPr lvl="0">
+              <a:lnSpc>
+                <a:spcPct val="90000"/>
+              </a:lnSpc>
+              <a:spcBef>
+                <a:spcPts val="0"/>
+              </a:spcBef>
+              <a:spcAft>
+                <a:spcPts val="0"/>
+              </a:spcAft>
+            </a:pPr>
+            <a:r>
+              <a:rPr lang="en-GB" sz="4200" i="1" dirty="0">
+                <a:solidFill>
+                  <a:srgbClr val="F57E20"/>
+                </a:solidFill>
+              </a:rPr>
+              <a:t>Sensitive data storage</a:t>
+            </a:r>
+            <a:endParaRPr sz="3000" dirty="0"/>
+          </a:p>
+        </p:txBody>
+      </p:sp>
+      <p:pic>
+        <p:nvPicPr>
+          <p:cNvPr id="19" name="Picture 18">
             <a:extLst>
               <a:ext uri="{FF2B5EF4-FFF2-40B4-BE49-F238E27FC236}">
-                <a16:creationId xmlns:a16="http://schemas.microsoft.com/office/drawing/2014/main" id="{4E79C2BF-BF71-D545-86CA-D9E56C0D6DE0}"/>
+                <a16:creationId xmlns:a16="http://schemas.microsoft.com/office/drawing/2014/main" id="{106B4DEB-ACEA-654B-8264-AFC2198E299F}"/>
+              </a:ext>
+            </a:extLst>
+          </p:cNvPr>
+          <p:cNvPicPr>
+            <a:picLocks noChangeAspect="1"/>
+          </p:cNvPicPr>
+          <p:nvPr/>
+        </p:nvPicPr>
+        <p:blipFill>
+          <a:blip r:embed="rId3">
+            <a:lum/>
+            <a:alphaModFix/>
+          </a:blip>
+          <a:srcRect/>
+          <a:stretch>
+            <a:fillRect/>
+          </a:stretch>
+        </p:blipFill>
+        <p:spPr>
+          <a:xfrm>
+            <a:off x="5782028" y="2333154"/>
+            <a:ext cx="688134" cy="788907"/>
+          </a:xfrm>
+          <a:prstGeom prst="rect">
+            <a:avLst/>
+          </a:prstGeom>
+          <a:noFill/>
+          <a:ln>
+            <a:noFill/>
+          </a:ln>
+        </p:spPr>
+      </p:pic>
+      <p:sp>
+        <p:nvSpPr>
+          <p:cNvPr id="26" name="TextBox 25">
+            <a:extLst>
+              <a:ext uri="{FF2B5EF4-FFF2-40B4-BE49-F238E27FC236}">
+                <a16:creationId xmlns:a16="http://schemas.microsoft.com/office/drawing/2014/main" id="{C953FDF2-9CDF-1043-BCA7-E687ABDCD024}"/>
+              </a:ext>
+            </a:extLst>
+          </p:cNvPr>
+          <p:cNvSpPr txBox="1"/>
+          <p:nvPr/>
+        </p:nvSpPr>
+        <p:spPr>
+          <a:xfrm>
+            <a:off x="5155252" y="3346987"/>
+            <a:ext cx="1941685" cy="369332"/>
+          </a:xfrm>
+          <a:prstGeom prst="rect">
+            <a:avLst/>
+          </a:prstGeom>
+          <a:noFill/>
+        </p:spPr>
+        <p:txBody>
+          <a:bodyPr wrap="none" rtlCol="0">
+            <a:spAutoFit/>
+          </a:bodyPr>
+          <a:lstStyle/>
+          <a:p>
+            <a:r>
+              <a:rPr lang="en-NO" dirty="0"/>
+              <a:t>DATA STORAGE</a:t>
+            </a:r>
+          </a:p>
+        </p:txBody>
+      </p:sp>
+      <p:pic>
+        <p:nvPicPr>
+          <p:cNvPr id="27" name="Picture 26">
+            <a:extLst>
+              <a:ext uri="{FF2B5EF4-FFF2-40B4-BE49-F238E27FC236}">
+                <a16:creationId xmlns:a16="http://schemas.microsoft.com/office/drawing/2014/main" id="{8D9896A4-F199-0F4A-BE98-D912657DFB33}"/>
+              </a:ext>
+            </a:extLst>
+          </p:cNvPr>
+          <p:cNvPicPr>
+            <a:picLocks noChangeAspect="1"/>
+          </p:cNvPicPr>
+          <p:nvPr/>
+        </p:nvPicPr>
+        <p:blipFill>
+          <a:blip r:embed="rId4">
+            <a:lum/>
+            <a:alphaModFix/>
+          </a:blip>
+          <a:srcRect/>
+          <a:stretch>
+            <a:fillRect/>
+          </a:stretch>
+        </p:blipFill>
+        <p:spPr>
+          <a:xfrm>
+            <a:off x="1151920" y="3154732"/>
+            <a:ext cx="3076200" cy="684000"/>
+          </a:xfrm>
+          <a:prstGeom prst="rect">
+            <a:avLst/>
+          </a:prstGeom>
+          <a:noFill/>
+          <a:ln>
+            <a:noFill/>
+          </a:ln>
+        </p:spPr>
+      </p:pic>
+      <p:pic>
+        <p:nvPicPr>
+          <p:cNvPr id="28" name="Picture 27">
+            <a:extLst>
+              <a:ext uri="{FF2B5EF4-FFF2-40B4-BE49-F238E27FC236}">
+                <a16:creationId xmlns:a16="http://schemas.microsoft.com/office/drawing/2014/main" id="{5648D03C-521D-7A48-B69B-3489375C0204}"/>
+              </a:ext>
+            </a:extLst>
+          </p:cNvPr>
+          <p:cNvPicPr>
+            <a:picLocks noChangeAspect="1"/>
+          </p:cNvPicPr>
+          <p:nvPr/>
+        </p:nvPicPr>
+        <p:blipFill>
+          <a:blip r:embed="rId5">
+            <a:lum/>
+            <a:alphaModFix/>
+          </a:blip>
+          <a:srcRect/>
+          <a:stretch>
+            <a:fillRect/>
+          </a:stretch>
+        </p:blipFill>
+        <p:spPr>
+          <a:xfrm>
+            <a:off x="1151920" y="4357868"/>
+            <a:ext cx="3076200" cy="349758"/>
+          </a:xfrm>
+          <a:prstGeom prst="rect">
+            <a:avLst/>
+          </a:prstGeom>
+          <a:noFill/>
+          <a:ln>
+            <a:noFill/>
+          </a:ln>
+        </p:spPr>
+      </p:pic>
+      <p:sp>
+        <p:nvSpPr>
+          <p:cNvPr id="2" name="TextBox 1">
+            <a:extLst>
+              <a:ext uri="{FF2B5EF4-FFF2-40B4-BE49-F238E27FC236}">
+                <a16:creationId xmlns:a16="http://schemas.microsoft.com/office/drawing/2014/main" id="{61D47D7E-34D4-2745-977F-47299223F900}"/>
+              </a:ext>
+            </a:extLst>
+          </p:cNvPr>
+          <p:cNvSpPr txBox="1"/>
+          <p:nvPr/>
+        </p:nvSpPr>
+        <p:spPr>
+          <a:xfrm>
+            <a:off x="1045010" y="2204387"/>
+            <a:ext cx="3384260" cy="523220"/>
+          </a:xfrm>
+          <a:prstGeom prst="rect">
+            <a:avLst/>
+          </a:prstGeom>
+          <a:noFill/>
+        </p:spPr>
+        <p:txBody>
+          <a:bodyPr wrap="none" rtlCol="0">
+            <a:spAutoFit/>
+          </a:bodyPr>
+          <a:lstStyle/>
+          <a:p>
+            <a:r>
+              <a:rPr lang="en-NO" sz="2800" b="1" dirty="0">
+                <a:solidFill>
+                  <a:schemeClr val="bg1"/>
+                </a:solidFill>
+              </a:rPr>
+              <a:t>Non-sensitive data</a:t>
+            </a:r>
+          </a:p>
+        </p:txBody>
+      </p:sp>
+      <p:sp>
+        <p:nvSpPr>
+          <p:cNvPr id="35" name="Rectangle 34">
+            <a:extLst>
+              <a:ext uri="{FF2B5EF4-FFF2-40B4-BE49-F238E27FC236}">
+                <a16:creationId xmlns:a16="http://schemas.microsoft.com/office/drawing/2014/main" id="{CBA619D4-C6EB-6F4D-8213-80FF8F7175EC}"/>
               </a:ext>
             </a:extLst>
           </p:cNvPr>
@@ -9065,15 +9305,13 @@
         </p:nvSpPr>
         <p:spPr bwMode="auto">
           <a:xfrm>
-            <a:off x="984456" y="2052061"/>
-            <a:ext cx="3448079" cy="3214206"/>
-          </a:xfrm>
-          <a:prstGeom prst="rect">
-            <a:avLst/>
-          </a:prstGeom>
-          <a:solidFill>
-            <a:schemeClr val="accent5"/>
-          </a:solidFill>
+            <a:off x="4978400" y="2052061"/>
+            <a:ext cx="2286000" cy="1811211"/>
+          </a:xfrm>
+          <a:prstGeom prst="rect">
+            <a:avLst/>
+          </a:prstGeom>
+          <a:noFill/>
           <a:ln w="57150" cap="flat" cmpd="sng" algn="ctr">
             <a:solidFill>
               <a:schemeClr val="tx1"/>
@@ -9121,424 +9359,6 @@
               <a:ea typeface="Geneva" pitchFamily="-112" charset="0"/>
               <a:cs typeface="Geneva" pitchFamily="-112" charset="0"/>
             </a:endParaRPr>
-          </a:p>
-        </p:txBody>
-      </p:sp>
-      <p:sp>
-        <p:nvSpPr>
-          <p:cNvPr id="108" name="Google Shape;108;gc079e62e23_0_58"/>
-          <p:cNvSpPr txBox="1">
-            <a:spLocks noGrp="1"/>
-          </p:cNvSpPr>
-          <p:nvPr>
-            <p:ph type="title"/>
-          </p:nvPr>
-        </p:nvSpPr>
-        <p:spPr>
-          <a:xfrm>
-            <a:off x="719403" y="332656"/>
-            <a:ext cx="10871100" cy="648000"/>
-          </a:xfrm>
-          <a:prstGeom prst="rect">
-            <a:avLst/>
-          </a:prstGeom>
-          <a:noFill/>
-          <a:ln>
-            <a:noFill/>
-          </a:ln>
-        </p:spPr>
-        <p:txBody>
-          <a:bodyPr spcFirstLastPara="1" wrap="square" lIns="0" tIns="0" rIns="0" bIns="0" anchor="t" anchorCtr="0">
-            <a:noAutofit/>
-          </a:bodyPr>
-          <a:lstStyle/>
-          <a:p>
-            <a:pPr lvl="0">
-              <a:lnSpc>
-                <a:spcPct val="90000"/>
-              </a:lnSpc>
-              <a:spcBef>
-                <a:spcPts val="0"/>
-              </a:spcBef>
-              <a:spcAft>
-                <a:spcPts val="0"/>
-              </a:spcAft>
-            </a:pPr>
-            <a:r>
-              <a:rPr lang="en-GB" sz="4200" i="1" dirty="0">
-                <a:solidFill>
-                  <a:srgbClr val="F57E20"/>
-                </a:solidFill>
-              </a:rPr>
-              <a:t>Sensitive data storage</a:t>
-            </a:r>
-            <a:endParaRPr sz="3000" dirty="0"/>
-          </a:p>
-        </p:txBody>
-      </p:sp>
-      <p:pic>
-        <p:nvPicPr>
-          <p:cNvPr id="19" name="Picture 18">
-            <a:extLst>
-              <a:ext uri="{FF2B5EF4-FFF2-40B4-BE49-F238E27FC236}">
-                <a16:creationId xmlns:a16="http://schemas.microsoft.com/office/drawing/2014/main" id="{106B4DEB-ACEA-654B-8264-AFC2198E299F}"/>
-              </a:ext>
-            </a:extLst>
-          </p:cNvPr>
-          <p:cNvPicPr>
-            <a:picLocks noChangeAspect="1"/>
-          </p:cNvPicPr>
-          <p:nvPr/>
-        </p:nvPicPr>
-        <p:blipFill>
-          <a:blip r:embed="rId3">
-            <a:lum/>
-            <a:alphaModFix/>
-          </a:blip>
-          <a:srcRect/>
-          <a:stretch>
-            <a:fillRect/>
-          </a:stretch>
-        </p:blipFill>
-        <p:spPr>
-          <a:xfrm>
-            <a:off x="5782028" y="2333154"/>
-            <a:ext cx="688134" cy="788907"/>
-          </a:xfrm>
-          <a:prstGeom prst="rect">
-            <a:avLst/>
-          </a:prstGeom>
-          <a:noFill/>
-          <a:ln>
-            <a:noFill/>
-          </a:ln>
-        </p:spPr>
-      </p:pic>
-      <p:sp>
-        <p:nvSpPr>
-          <p:cNvPr id="26" name="TextBox 25">
-            <a:extLst>
-              <a:ext uri="{FF2B5EF4-FFF2-40B4-BE49-F238E27FC236}">
-                <a16:creationId xmlns:a16="http://schemas.microsoft.com/office/drawing/2014/main" id="{C953FDF2-9CDF-1043-BCA7-E687ABDCD024}"/>
-              </a:ext>
-            </a:extLst>
-          </p:cNvPr>
-          <p:cNvSpPr txBox="1"/>
-          <p:nvPr/>
-        </p:nvSpPr>
-        <p:spPr>
-          <a:xfrm>
-            <a:off x="5155252" y="3346987"/>
-            <a:ext cx="1941685" cy="369332"/>
-          </a:xfrm>
-          <a:prstGeom prst="rect">
-            <a:avLst/>
-          </a:prstGeom>
-          <a:noFill/>
-        </p:spPr>
-        <p:txBody>
-          <a:bodyPr wrap="none" rtlCol="0">
-            <a:spAutoFit/>
-          </a:bodyPr>
-          <a:lstStyle/>
-          <a:p>
-            <a:r>
-              <a:rPr lang="en-NO" dirty="0"/>
-              <a:t>DATA STORAGE</a:t>
-            </a:r>
-          </a:p>
-        </p:txBody>
-      </p:sp>
-      <p:pic>
-        <p:nvPicPr>
-          <p:cNvPr id="27" name="Picture 26">
-            <a:extLst>
-              <a:ext uri="{FF2B5EF4-FFF2-40B4-BE49-F238E27FC236}">
-                <a16:creationId xmlns:a16="http://schemas.microsoft.com/office/drawing/2014/main" id="{8D9896A4-F199-0F4A-BE98-D912657DFB33}"/>
-              </a:ext>
-            </a:extLst>
-          </p:cNvPr>
-          <p:cNvPicPr>
-            <a:picLocks noChangeAspect="1"/>
-          </p:cNvPicPr>
-          <p:nvPr/>
-        </p:nvPicPr>
-        <p:blipFill>
-          <a:blip r:embed="rId4">
-            <a:lum/>
-            <a:alphaModFix/>
-          </a:blip>
-          <a:srcRect/>
-          <a:stretch>
-            <a:fillRect/>
-          </a:stretch>
-        </p:blipFill>
-        <p:spPr>
-          <a:xfrm>
-            <a:off x="1151920" y="3154732"/>
-            <a:ext cx="3076200" cy="684000"/>
-          </a:xfrm>
-          <a:prstGeom prst="rect">
-            <a:avLst/>
-          </a:prstGeom>
-          <a:noFill/>
-          <a:ln>
-            <a:noFill/>
-          </a:ln>
-        </p:spPr>
-      </p:pic>
-      <p:pic>
-        <p:nvPicPr>
-          <p:cNvPr id="28" name="Picture 27">
-            <a:extLst>
-              <a:ext uri="{FF2B5EF4-FFF2-40B4-BE49-F238E27FC236}">
-                <a16:creationId xmlns:a16="http://schemas.microsoft.com/office/drawing/2014/main" id="{5648D03C-521D-7A48-B69B-3489375C0204}"/>
-              </a:ext>
-            </a:extLst>
-          </p:cNvPr>
-          <p:cNvPicPr>
-            <a:picLocks noChangeAspect="1"/>
-          </p:cNvPicPr>
-          <p:nvPr/>
-        </p:nvPicPr>
-        <p:blipFill>
-          <a:blip r:embed="rId5">
-            <a:lum/>
-            <a:alphaModFix/>
-          </a:blip>
-          <a:srcRect/>
-          <a:stretch>
-            <a:fillRect/>
-          </a:stretch>
-        </p:blipFill>
-        <p:spPr>
-          <a:xfrm>
-            <a:off x="1151920" y="4357868"/>
-            <a:ext cx="3076200" cy="349758"/>
-          </a:xfrm>
-          <a:prstGeom prst="rect">
-            <a:avLst/>
-          </a:prstGeom>
-          <a:noFill/>
-          <a:ln>
-            <a:noFill/>
-          </a:ln>
-        </p:spPr>
-      </p:pic>
-      <p:sp>
-        <p:nvSpPr>
-          <p:cNvPr id="2" name="TextBox 1">
-            <a:extLst>
-              <a:ext uri="{FF2B5EF4-FFF2-40B4-BE49-F238E27FC236}">
-                <a16:creationId xmlns:a16="http://schemas.microsoft.com/office/drawing/2014/main" id="{61D47D7E-34D4-2745-977F-47299223F900}"/>
-              </a:ext>
-            </a:extLst>
-          </p:cNvPr>
-          <p:cNvSpPr txBox="1"/>
-          <p:nvPr/>
-        </p:nvSpPr>
-        <p:spPr>
-          <a:xfrm>
-            <a:off x="1045010" y="2204387"/>
-            <a:ext cx="3384260" cy="523220"/>
-          </a:xfrm>
-          <a:prstGeom prst="rect">
-            <a:avLst/>
-          </a:prstGeom>
-          <a:noFill/>
-        </p:spPr>
-        <p:txBody>
-          <a:bodyPr wrap="none" rtlCol="0">
-            <a:spAutoFit/>
-          </a:bodyPr>
-          <a:lstStyle/>
-          <a:p>
-            <a:r>
-              <a:rPr lang="en-NO" sz="2800" b="1" dirty="0">
-                <a:solidFill>
-                  <a:schemeClr val="bg1"/>
-                </a:solidFill>
-              </a:rPr>
-              <a:t>Non-sensitive data</a:t>
-            </a:r>
-          </a:p>
-        </p:txBody>
-      </p:sp>
-      <p:pic>
-        <p:nvPicPr>
-          <p:cNvPr id="31" name="Picture 30">
-            <a:extLst>
-              <a:ext uri="{FF2B5EF4-FFF2-40B4-BE49-F238E27FC236}">
-                <a16:creationId xmlns:a16="http://schemas.microsoft.com/office/drawing/2014/main" id="{9FF1EF75-4DBE-404B-890C-34FE9F44DD3F}"/>
-              </a:ext>
-            </a:extLst>
-          </p:cNvPr>
-          <p:cNvPicPr>
-            <a:picLocks noChangeAspect="1"/>
-          </p:cNvPicPr>
-          <p:nvPr/>
-        </p:nvPicPr>
-        <p:blipFill>
-          <a:blip r:embed="rId6">
-            <a:lum/>
-            <a:alphaModFix/>
-          </a:blip>
-          <a:srcRect/>
-          <a:stretch>
-            <a:fillRect/>
-          </a:stretch>
-        </p:blipFill>
-        <p:spPr>
-          <a:xfrm>
-            <a:off x="9073347" y="2913870"/>
-            <a:ext cx="1053338" cy="1215263"/>
-          </a:xfrm>
-          <a:prstGeom prst="rect">
-            <a:avLst/>
-          </a:prstGeom>
-          <a:noFill/>
-          <a:ln>
-            <a:noFill/>
-          </a:ln>
-        </p:spPr>
-      </p:pic>
-      <p:pic>
-        <p:nvPicPr>
-          <p:cNvPr id="4" name="Picture 3" descr="A screenshot of a text message&#10;&#10;Description automatically generated with low confidence">
-            <a:extLst>
-              <a:ext uri="{FF2B5EF4-FFF2-40B4-BE49-F238E27FC236}">
-                <a16:creationId xmlns:a16="http://schemas.microsoft.com/office/drawing/2014/main" id="{767DAA7E-F24C-6147-9AC2-484B970F5E1F}"/>
-              </a:ext>
-            </a:extLst>
-          </p:cNvPr>
-          <p:cNvPicPr>
-            <a:picLocks noChangeAspect="1"/>
-          </p:cNvPicPr>
-          <p:nvPr/>
-        </p:nvPicPr>
-        <p:blipFill>
-          <a:blip r:embed="rId7"/>
-          <a:stretch>
-            <a:fillRect/>
-          </a:stretch>
-        </p:blipFill>
-        <p:spPr>
-          <a:xfrm>
-            <a:off x="8094133" y="4340938"/>
-            <a:ext cx="2926417" cy="481145"/>
-          </a:xfrm>
-          <a:prstGeom prst="rect">
-            <a:avLst/>
-          </a:prstGeom>
-        </p:spPr>
-      </p:pic>
-      <p:sp>
-        <p:nvSpPr>
-          <p:cNvPr id="35" name="Rectangle 34">
-            <a:extLst>
-              <a:ext uri="{FF2B5EF4-FFF2-40B4-BE49-F238E27FC236}">
-                <a16:creationId xmlns:a16="http://schemas.microsoft.com/office/drawing/2014/main" id="{CBA619D4-C6EB-6F4D-8213-80FF8F7175EC}"/>
-              </a:ext>
-            </a:extLst>
-          </p:cNvPr>
-          <p:cNvSpPr/>
-          <p:nvPr/>
-        </p:nvSpPr>
-        <p:spPr bwMode="auto">
-          <a:xfrm>
-            <a:off x="4978400" y="2052061"/>
-            <a:ext cx="2286000" cy="1811211"/>
-          </a:xfrm>
-          <a:prstGeom prst="rect">
-            <a:avLst/>
-          </a:prstGeom>
-          <a:noFill/>
-          <a:ln w="57150" cap="flat" cmpd="sng" algn="ctr">
-            <a:solidFill>
-              <a:schemeClr val="tx1"/>
-            </a:solidFill>
-            <a:prstDash val="solid"/>
-            <a:round/>
-            <a:headEnd type="none" w="med" len="med"/>
-            <a:tailEnd type="none" w="med" len="med"/>
-          </a:ln>
-          <a:effectLst/>
-        </p:spPr>
-        <p:txBody>
-          <a:bodyPr vert="horz" wrap="square" lIns="91440" tIns="45720" rIns="91440" bIns="45720" numCol="1" rtlCol="0" anchor="t" anchorCtr="0" compatLnSpc="1">
-            <a:prstTxWarp prst="textNoShape">
-              <a:avLst/>
-            </a:prstTxWarp>
-          </a:bodyPr>
-          <a:lstStyle/>
-          <a:p>
-            <a:pPr marL="0" marR="0" indent="0" algn="l" defTabSz="914400" rtl="0" eaLnBrk="0" fontAlgn="base" latinLnBrk="0" hangingPunct="0">
-              <a:lnSpc>
-                <a:spcPct val="100000"/>
-              </a:lnSpc>
-              <a:spcBef>
-                <a:spcPct val="0"/>
-              </a:spcBef>
-              <a:spcAft>
-                <a:spcPct val="0"/>
-              </a:spcAft>
-              <a:buClrTx/>
-              <a:buSzTx/>
-              <a:buFontTx/>
-              <a:buNone/>
-              <a:tabLst/>
-            </a:pPr>
-            <a:endParaRPr kumimoji="0" lang="en-NO" sz="2400" b="0" i="0" u="none" strike="noStrike" cap="none" normalizeH="0" baseline="0">
-              <a:ln>
-                <a:noFill/>
-              </a:ln>
-              <a:solidFill>
-                <a:schemeClr val="tx1"/>
-              </a:solidFill>
-              <a:effectLst/>
-              <a:latin typeface="Arial" pitchFamily="-112" charset="0"/>
-              <a:ea typeface="Geneva" pitchFamily="-112" charset="0"/>
-              <a:cs typeface="Geneva" pitchFamily="-112" charset="0"/>
-            </a:endParaRPr>
-          </a:p>
-        </p:txBody>
-      </p:sp>
-      <p:sp>
-        <p:nvSpPr>
-          <p:cNvPr id="41" name="TextBox 40">
-            <a:extLst>
-              <a:ext uri="{FF2B5EF4-FFF2-40B4-BE49-F238E27FC236}">
-                <a16:creationId xmlns:a16="http://schemas.microsoft.com/office/drawing/2014/main" id="{A469BE60-74AA-ED41-881D-AA1150111247}"/>
-              </a:ext>
-            </a:extLst>
-          </p:cNvPr>
-          <p:cNvSpPr txBox="1"/>
-          <p:nvPr/>
-        </p:nvSpPr>
-        <p:spPr>
-          <a:xfrm>
-            <a:off x="8232505" y="2155934"/>
-            <a:ext cx="2603598" cy="523220"/>
-          </a:xfrm>
-          <a:prstGeom prst="rect">
-            <a:avLst/>
-          </a:prstGeom>
-          <a:noFill/>
-        </p:spPr>
-        <p:txBody>
-          <a:bodyPr wrap="none" rtlCol="0">
-            <a:spAutoFit/>
-          </a:bodyPr>
-          <a:lstStyle/>
-          <a:p>
-            <a:r>
-              <a:rPr lang="en-NO" sz="2800" b="1" dirty="0">
-                <a:solidFill>
-                  <a:schemeClr val="bg1"/>
-                </a:solidFill>
-              </a:rPr>
-              <a:t>Sensitive data</a:t>
-            </a:r>
           </a:p>
         </p:txBody>
       </p:sp>
@@ -9642,6 +9462,233 @@
           </a:p>
         </p:txBody>
       </p:sp>
+      <p:sp>
+        <p:nvSpPr>
+          <p:cNvPr id="3" name="Rectangle 2">
+            <a:extLst>
+              <a:ext uri="{FF2B5EF4-FFF2-40B4-BE49-F238E27FC236}">
+                <a16:creationId xmlns:a16="http://schemas.microsoft.com/office/drawing/2014/main" id="{93862659-9450-8ED4-A14F-8C52B1458657}"/>
+              </a:ext>
+            </a:extLst>
+          </p:cNvPr>
+          <p:cNvSpPr/>
+          <p:nvPr/>
+        </p:nvSpPr>
+        <p:spPr bwMode="auto">
+          <a:xfrm>
+            <a:off x="7810265" y="2052061"/>
+            <a:ext cx="3448079" cy="3214206"/>
+          </a:xfrm>
+          <a:prstGeom prst="rect">
+            <a:avLst/>
+          </a:prstGeom>
+          <a:solidFill>
+            <a:srgbClr val="FF0000"/>
+          </a:solidFill>
+          <a:ln w="57150" cap="flat" cmpd="sng" algn="ctr">
+            <a:solidFill>
+              <a:schemeClr val="tx1"/>
+            </a:solidFill>
+            <a:prstDash val="solid"/>
+            <a:round/>
+            <a:headEnd type="none" w="med" len="med"/>
+            <a:tailEnd type="none" w="med" len="med"/>
+          </a:ln>
+          <a:effectLst/>
+        </p:spPr>
+        <p:txBody>
+          <a:bodyPr vert="horz" wrap="square" lIns="91440" tIns="45720" rIns="91440" bIns="45720" numCol="1" rtlCol="0" anchor="t" anchorCtr="0" compatLnSpc="1">
+            <a:prstTxWarp prst="textNoShape">
+              <a:avLst/>
+            </a:prstTxWarp>
+          </a:bodyPr>
+          <a:lstStyle/>
+          <a:p>
+            <a:pPr marL="0" marR="0" indent="0" algn="l" defTabSz="914400" rtl="0" eaLnBrk="0" fontAlgn="base" latinLnBrk="0" hangingPunct="0">
+              <a:lnSpc>
+                <a:spcPct val="100000"/>
+              </a:lnSpc>
+              <a:spcBef>
+                <a:spcPct val="0"/>
+              </a:spcBef>
+              <a:spcAft>
+                <a:spcPct val="0"/>
+              </a:spcAft>
+              <a:buClrTx/>
+              <a:buSzTx/>
+              <a:buFontTx/>
+              <a:buNone/>
+              <a:tabLst/>
+            </a:pPr>
+            <a:endParaRPr kumimoji="0" lang="en-NO" sz="2400" b="0" i="0" u="none" strike="noStrike" cap="none" normalizeH="0" baseline="0">
+              <a:ln>
+                <a:noFill/>
+              </a:ln>
+              <a:solidFill>
+                <a:schemeClr val="tx1"/>
+              </a:solidFill>
+              <a:effectLst/>
+              <a:latin typeface="Arial" pitchFamily="-112" charset="0"/>
+              <a:ea typeface="Geneva" pitchFamily="-112" charset="0"/>
+              <a:cs typeface="Geneva" pitchFamily="-112" charset="0"/>
+            </a:endParaRPr>
+          </a:p>
+        </p:txBody>
+      </p:sp>
+      <p:pic>
+        <p:nvPicPr>
+          <p:cNvPr id="5" name="Picture 4">
+            <a:extLst>
+              <a:ext uri="{FF2B5EF4-FFF2-40B4-BE49-F238E27FC236}">
+                <a16:creationId xmlns:a16="http://schemas.microsoft.com/office/drawing/2014/main" id="{6F5DCABF-86B0-AABD-741B-0902F88D436E}"/>
+              </a:ext>
+            </a:extLst>
+          </p:cNvPr>
+          <p:cNvPicPr>
+            <a:picLocks noChangeAspect="1"/>
+          </p:cNvPicPr>
+          <p:nvPr/>
+        </p:nvPicPr>
+        <p:blipFill>
+          <a:blip r:embed="rId6">
+            <a:lum/>
+            <a:alphaModFix/>
+          </a:blip>
+          <a:srcRect/>
+          <a:stretch>
+            <a:fillRect/>
+          </a:stretch>
+        </p:blipFill>
+        <p:spPr>
+          <a:xfrm>
+            <a:off x="8152310" y="2913870"/>
+            <a:ext cx="1053338" cy="1215263"/>
+          </a:xfrm>
+          <a:prstGeom prst="rect">
+            <a:avLst/>
+          </a:prstGeom>
+          <a:noFill/>
+          <a:ln>
+            <a:noFill/>
+          </a:ln>
+        </p:spPr>
+      </p:pic>
+      <p:pic>
+        <p:nvPicPr>
+          <p:cNvPr id="6" name="Picture 5" descr="A screenshot of a text message&#10;&#10;Description automatically generated with low confidence">
+            <a:extLst>
+              <a:ext uri="{FF2B5EF4-FFF2-40B4-BE49-F238E27FC236}">
+                <a16:creationId xmlns:a16="http://schemas.microsoft.com/office/drawing/2014/main" id="{DB6525F8-6A9F-1470-1BBC-D55C59E63639}"/>
+              </a:ext>
+            </a:extLst>
+          </p:cNvPr>
+          <p:cNvPicPr>
+            <a:picLocks noChangeAspect="1"/>
+          </p:cNvPicPr>
+          <p:nvPr/>
+        </p:nvPicPr>
+        <p:blipFill>
+          <a:blip r:embed="rId7"/>
+          <a:stretch>
+            <a:fillRect/>
+          </a:stretch>
+        </p:blipFill>
+        <p:spPr>
+          <a:xfrm>
+            <a:off x="8094133" y="4340938"/>
+            <a:ext cx="2926417" cy="481145"/>
+          </a:xfrm>
+          <a:prstGeom prst="rect">
+            <a:avLst/>
+          </a:prstGeom>
+        </p:spPr>
+      </p:pic>
+      <p:sp>
+        <p:nvSpPr>
+          <p:cNvPr id="7" name="TextBox 6">
+            <a:extLst>
+              <a:ext uri="{FF2B5EF4-FFF2-40B4-BE49-F238E27FC236}">
+                <a16:creationId xmlns:a16="http://schemas.microsoft.com/office/drawing/2014/main" id="{EEE3C33D-F057-5A8C-B443-F331CF15AC19}"/>
+              </a:ext>
+            </a:extLst>
+          </p:cNvPr>
+          <p:cNvSpPr txBox="1"/>
+          <p:nvPr/>
+        </p:nvSpPr>
+        <p:spPr>
+          <a:xfrm>
+            <a:off x="8232505" y="2155934"/>
+            <a:ext cx="2603598" cy="523220"/>
+          </a:xfrm>
+          <a:prstGeom prst="rect">
+            <a:avLst/>
+          </a:prstGeom>
+          <a:noFill/>
+        </p:spPr>
+        <p:txBody>
+          <a:bodyPr wrap="none" rtlCol="0">
+            <a:spAutoFit/>
+          </a:bodyPr>
+          <a:lstStyle/>
+          <a:p>
+            <a:r>
+              <a:rPr lang="en-NO" sz="2800" b="1" dirty="0">
+                <a:solidFill>
+                  <a:schemeClr val="bg1"/>
+                </a:solidFill>
+              </a:rPr>
+              <a:t>Sensitive data</a:t>
+            </a:r>
+          </a:p>
+        </p:txBody>
+      </p:sp>
+      <p:pic>
+        <p:nvPicPr>
+          <p:cNvPr id="8" name="Picture 2">
+            <a:extLst>
+              <a:ext uri="{FF2B5EF4-FFF2-40B4-BE49-F238E27FC236}">
+                <a16:creationId xmlns:a16="http://schemas.microsoft.com/office/drawing/2014/main" id="{BF669E0E-B784-49C6-D360-233E0DBC8FC9}"/>
+              </a:ext>
+            </a:extLst>
+          </p:cNvPr>
+          <p:cNvPicPr>
+            <a:picLocks noChangeAspect="1" noChangeArrowheads="1"/>
+          </p:cNvPicPr>
+          <p:nvPr/>
+        </p:nvPicPr>
+        <p:blipFill>
+          <a:blip r:embed="rId8">
+            <a:extLst>
+              <a:ext uri="{28A0092B-C50C-407E-A947-70E740481C1C}">
+                <a14:useLocalDpi xmlns:a14="http://schemas.microsoft.com/office/drawing/2010/main" val="0"/>
+              </a:ext>
+            </a:extLst>
+          </a:blip>
+          <a:srcRect/>
+          <a:stretch>
+            <a:fillRect/>
+          </a:stretch>
+        </p:blipFill>
+        <p:spPr bwMode="auto">
+          <a:xfrm>
+            <a:off x="9677364" y="2924021"/>
+            <a:ext cx="1158739" cy="1215263"/>
+          </a:xfrm>
+          <a:prstGeom prst="rect">
+            <a:avLst/>
+          </a:prstGeom>
+          <a:noFill/>
+          <a:extLst>
+            <a:ext uri="{909E8E84-426E-40DD-AFC4-6F175D3DCCD1}">
+              <a14:hiddenFill xmlns:a14="http://schemas.microsoft.com/office/drawing/2010/main">
+                <a:solidFill>
+                  <a:srgbClr val="FFFFFF"/>
+                </a:solidFill>
+              </a14:hiddenFill>
+            </a:ext>
+          </a:extLst>
+        </p:spPr>
+      </p:pic>
     </p:spTree>
     <p:extLst>
       <p:ext uri="{BB962C8B-B14F-4D97-AF65-F5344CB8AC3E}">
@@ -10183,17 +10230,17 @@
           </a:ln>
           <a:extLst>
             <a:ext uri="{FAA26D3D-D897-4be2-8F04-BA451C77F1D7}">
-              <ma14:placeholderFlag xmlns="" xmlns:ma14="http://schemas.microsoft.com/office/mac/drawingml/2011/main" val="1"/>
+              <ma14:placeholderFlag xmlns:ma14="http://schemas.microsoft.com/office/mac/drawingml/2011/main" xmlns="" val="1"/>
             </a:ext>
             <a:ext uri="{909E8E84-426E-40dd-AFC4-6F175D3DCCD1}">
-              <a14:hiddenFill xmlns="" xmlns:a14="http://schemas.microsoft.com/office/drawing/2010/main">
+              <a14:hiddenFill xmlns:a14="http://schemas.microsoft.com/office/drawing/2010/main" xmlns="">
                 <a:solidFill>
                   <a:srgbClr val="FFFFFF"/>
                 </a:solidFill>
               </a14:hiddenFill>
             </a:ext>
             <a:ext uri="{91240B29-F687-4f45-9708-019B960494DF}">
-              <a14:hiddenLine xmlns="" xmlns:a14="http://schemas.microsoft.com/office/drawing/2010/main" w="9525">
+              <a14:hiddenLine xmlns:a14="http://schemas.microsoft.com/office/drawing/2010/main" xmlns="" w="9525">
                 <a:solidFill>
                   <a:srgbClr val="000000"/>
                 </a:solidFill>
@@ -18367,7 +18414,7 @@
         </p:blipFill>
         <p:spPr>
           <a:xfrm>
-            <a:off x="9073347" y="2913870"/>
+            <a:off x="8152310" y="2913870"/>
             <a:ext cx="1053338" cy="1215263"/>
           </a:xfrm>
           <a:prstGeom prst="rect">
@@ -18915,6 +18962,53 @@
           </a:p>
         </p:txBody>
       </p:sp>
+      <p:pic>
+        <p:nvPicPr>
+          <p:cNvPr id="1026" name="Picture 2">
+            <a:extLst>
+              <a:ext uri="{FF2B5EF4-FFF2-40B4-BE49-F238E27FC236}">
+                <a16:creationId xmlns:a16="http://schemas.microsoft.com/office/drawing/2014/main" id="{E2CB5BA6-E819-952D-E8FF-027FF4592503}"/>
+              </a:ext>
+            </a:extLst>
+          </p:cNvPr>
+          <p:cNvPicPr>
+            <a:picLocks noChangeAspect="1" noChangeArrowheads="1"/>
+          </p:cNvPicPr>
+          <p:nvPr/>
+        </p:nvPicPr>
+        <p:blipFill>
+          <a:blip r:embed="rId9">
+            <a:extLst>
+              <a:ext uri="{28A0092B-C50C-407E-A947-70E740481C1C}">
+                <a14:useLocalDpi xmlns:a14="http://schemas.microsoft.com/office/drawing/2010/main" val="0"/>
+              </a:ext>
+            </a:extLst>
+          </a:blip>
+          <a:srcRect/>
+          <a:stretch>
+            <a:fillRect/>
+          </a:stretch>
+        </p:blipFill>
+        <p:spPr bwMode="auto">
+          <a:xfrm>
+            <a:off x="9677364" y="2924021"/>
+            <a:ext cx="1158739" cy="1215263"/>
+          </a:xfrm>
+          <a:prstGeom prst="rect">
+            <a:avLst/>
+          </a:prstGeom>
+          <a:noFill/>
+          <a:extLst>
+            <a:ext uri="{909E8E84-426E-40DD-AFC4-6F175D3DCCD1}">
+              <a14:hiddenFill xmlns:a14="http://schemas.microsoft.com/office/drawing/2010/main">
+                <a:solidFill>
+                  <a:srgbClr val="FFFFFF"/>
+                </a:solidFill>
+              </a14:hiddenFill>
+            </a:ext>
+          </a:extLst>
+        </p:spPr>
+      </p:pic>
     </p:spTree>
     <p:extLst>
       <p:ext uri="{BB962C8B-B14F-4D97-AF65-F5344CB8AC3E}">
@@ -18973,17 +19067,17 @@
           </a:ln>
           <a:extLst>
             <a:ext uri="{FAA26D3D-D897-4be2-8F04-BA451C77F1D7}">
-              <ma14:placeholderFlag xmlns="" xmlns:ma14="http://schemas.microsoft.com/office/mac/drawingml/2011/main" val="1"/>
+              <ma14:placeholderFlag xmlns:ma14="http://schemas.microsoft.com/office/mac/drawingml/2011/main" xmlns="" val="1"/>
             </a:ext>
             <a:ext uri="{909E8E84-426E-40dd-AFC4-6F175D3DCCD1}">
-              <a14:hiddenFill xmlns="" xmlns:a14="http://schemas.microsoft.com/office/drawing/2010/main">
+              <a14:hiddenFill xmlns:a14="http://schemas.microsoft.com/office/drawing/2010/main" xmlns="">
                 <a:solidFill>
                   <a:srgbClr val="FFFFFF"/>
                 </a:solidFill>
               </a14:hiddenFill>
             </a:ext>
             <a:ext uri="{91240B29-F687-4f45-9708-019B960494DF}">
-              <a14:hiddenLine xmlns="" xmlns:a14="http://schemas.microsoft.com/office/drawing/2010/main" w="9525">
+              <a14:hiddenLine xmlns:a14="http://schemas.microsoft.com/office/drawing/2010/main" xmlns="" w="9525">
                 <a:solidFill>
                   <a:srgbClr val="000000"/>
                 </a:solidFill>
@@ -22255,17 +22349,17 @@
           </a:ln>
           <a:extLst>
             <a:ext uri="{FAA26D3D-D897-4be2-8F04-BA451C77F1D7}">
-              <ma14:placeholderFlag xmlns="" xmlns:ma14="http://schemas.microsoft.com/office/mac/drawingml/2011/main" val="1"/>
+              <ma14:placeholderFlag xmlns:ma14="http://schemas.microsoft.com/office/mac/drawingml/2011/main" xmlns="" val="1"/>
             </a:ext>
             <a:ext uri="{909E8E84-426E-40dd-AFC4-6F175D3DCCD1}">
-              <a14:hiddenFill xmlns="" xmlns:a14="http://schemas.microsoft.com/office/drawing/2010/main">
+              <a14:hiddenFill xmlns:a14="http://schemas.microsoft.com/office/drawing/2010/main" xmlns="">
                 <a:solidFill>
                   <a:srgbClr val="FFFFFF"/>
                 </a:solidFill>
               </a14:hiddenFill>
             </a:ext>
             <a:ext uri="{91240B29-F687-4f45-9708-019B960494DF}">
-              <a14:hiddenLine xmlns="" xmlns:a14="http://schemas.microsoft.com/office/drawing/2010/main" w="9525">
+              <a14:hiddenLine xmlns:a14="http://schemas.microsoft.com/office/drawing/2010/main" xmlns="" w="9525">
                 <a:solidFill>
                   <a:srgbClr val="000000"/>
                 </a:solidFill>
@@ -22474,17 +22568,17 @@
           </a:ln>
           <a:extLst>
             <a:ext uri="{FAA26D3D-D897-4be2-8F04-BA451C77F1D7}">
-              <ma14:placeholderFlag xmlns="" xmlns:ma14="http://schemas.microsoft.com/office/mac/drawingml/2011/main" val="1"/>
+              <ma14:placeholderFlag xmlns:ma14="http://schemas.microsoft.com/office/mac/drawingml/2011/main" xmlns="" val="1"/>
             </a:ext>
             <a:ext uri="{909E8E84-426E-40dd-AFC4-6F175D3DCCD1}">
-              <a14:hiddenFill xmlns="" xmlns:a14="http://schemas.microsoft.com/office/drawing/2010/main">
+              <a14:hiddenFill xmlns:a14="http://schemas.microsoft.com/office/drawing/2010/main" xmlns="">
                 <a:solidFill>
                   <a:srgbClr val="FFFFFF"/>
                 </a:solidFill>
               </a14:hiddenFill>
             </a:ext>
             <a:ext uri="{91240B29-F687-4f45-9708-019B960494DF}">
-              <a14:hiddenLine xmlns="" xmlns:a14="http://schemas.microsoft.com/office/drawing/2010/main" w="9525">
+              <a14:hiddenLine xmlns:a14="http://schemas.microsoft.com/office/drawing/2010/main" xmlns="" w="9525">
                 <a:solidFill>
                   <a:srgbClr val="000000"/>
                 </a:solidFill>

--- a/05_National_storage_infrastructures.pptx
+++ b/05_National_storage_infrastructures.pptx
@@ -2791,14 +2791,14 @@
           </a:ln>
           <a:extLst>
             <a:ext uri="{909E8E84-426E-40dd-AFC4-6F175D3DCCD1}">
-              <a14:hiddenFill xmlns:a14="http://schemas.microsoft.com/office/drawing/2010/main" xmlns="">
+              <a14:hiddenFill xmlns="" xmlns:a14="http://schemas.microsoft.com/office/drawing/2010/main">
                 <a:solidFill>
                   <a:srgbClr val="FFFFFF"/>
                 </a:solidFill>
               </a14:hiddenFill>
             </a:ext>
             <a:ext uri="{91240B29-F687-4f45-9708-019B960494DF}">
-              <a14:hiddenLine xmlns:a14="http://schemas.microsoft.com/office/drawing/2010/main" xmlns="" w="9525">
+              <a14:hiddenLine xmlns="" xmlns:a14="http://schemas.microsoft.com/office/drawing/2010/main" w="9525">
                 <a:solidFill>
                   <a:srgbClr val="000000"/>
                 </a:solidFill>
@@ -3103,14 +3103,14 @@
           </a:ln>
           <a:extLst>
             <a:ext uri="{909E8E84-426E-40dd-AFC4-6F175D3DCCD1}">
-              <a14:hiddenFill xmlns:a14="http://schemas.microsoft.com/office/drawing/2010/main" xmlns="">
+              <a14:hiddenFill xmlns="" xmlns:a14="http://schemas.microsoft.com/office/drawing/2010/main">
                 <a:solidFill>
                   <a:srgbClr val="FFFFFF"/>
                 </a:solidFill>
               </a14:hiddenFill>
             </a:ext>
             <a:ext uri="{91240B29-F687-4f45-9708-019B960494DF}">
-              <a14:hiddenLine xmlns:a14="http://schemas.microsoft.com/office/drawing/2010/main" xmlns="" w="9525">
+              <a14:hiddenLine xmlns="" xmlns:a14="http://schemas.microsoft.com/office/drawing/2010/main" w="9525">
                 <a:solidFill>
                   <a:srgbClr val="000000"/>
                 </a:solidFill>
@@ -3144,14 +3144,14 @@
           </a:ln>
           <a:extLst>
             <a:ext uri="{909E8E84-426E-40dd-AFC4-6F175D3DCCD1}">
-              <a14:hiddenFill xmlns:a14="http://schemas.microsoft.com/office/drawing/2010/main" xmlns="">
+              <a14:hiddenFill xmlns="" xmlns:a14="http://schemas.microsoft.com/office/drawing/2010/main">
                 <a:solidFill>
                   <a:srgbClr val="FFFFFF"/>
                 </a:solidFill>
               </a14:hiddenFill>
             </a:ext>
             <a:ext uri="{91240B29-F687-4f45-9708-019B960494DF}">
-              <a14:hiddenLine xmlns:a14="http://schemas.microsoft.com/office/drawing/2010/main" xmlns="" w="9525">
+              <a14:hiddenLine xmlns="" xmlns:a14="http://schemas.microsoft.com/office/drawing/2010/main" w="9525">
                 <a:solidFill>
                   <a:srgbClr val="000000"/>
                 </a:solidFill>
@@ -3356,14 +3356,14 @@
           </a:ln>
           <a:extLst>
             <a:ext uri="{909E8E84-426E-40dd-AFC4-6F175D3DCCD1}">
-              <a14:hiddenFill xmlns:a14="http://schemas.microsoft.com/office/drawing/2010/main" xmlns="">
+              <a14:hiddenFill xmlns="" xmlns:a14="http://schemas.microsoft.com/office/drawing/2010/main">
                 <a:solidFill>
                   <a:srgbClr val="FFFFFF"/>
                 </a:solidFill>
               </a14:hiddenFill>
             </a:ext>
             <a:ext uri="{91240B29-F687-4f45-9708-019B960494DF}">
-              <a14:hiddenLine xmlns:a14="http://schemas.microsoft.com/office/drawing/2010/main" xmlns="" w="9525">
+              <a14:hiddenLine xmlns="" xmlns:a14="http://schemas.microsoft.com/office/drawing/2010/main" w="9525">
                 <a:solidFill>
                   <a:srgbClr val="000000"/>
                 </a:solidFill>
@@ -3410,14 +3410,14 @@
           </a:ln>
           <a:extLst>
             <a:ext uri="{909E8E84-426E-40dd-AFC4-6F175D3DCCD1}">
-              <a14:hiddenFill xmlns:a14="http://schemas.microsoft.com/office/drawing/2010/main" xmlns="">
+              <a14:hiddenFill xmlns="" xmlns:a14="http://schemas.microsoft.com/office/drawing/2010/main">
                 <a:solidFill>
                   <a:srgbClr val="FFFFFF"/>
                 </a:solidFill>
               </a14:hiddenFill>
             </a:ext>
             <a:ext uri="{91240B29-F687-4f45-9708-019B960494DF}">
-              <a14:hiddenLine xmlns:a14="http://schemas.microsoft.com/office/drawing/2010/main" xmlns="" w="9525">
+              <a14:hiddenLine xmlns="" xmlns:a14="http://schemas.microsoft.com/office/drawing/2010/main" w="9525">
                 <a:solidFill>
                   <a:srgbClr val="000000"/>
                 </a:solidFill>
@@ -3451,14 +3451,14 @@
           </a:ln>
           <a:extLst>
             <a:ext uri="{909E8E84-426E-40dd-AFC4-6F175D3DCCD1}">
-              <a14:hiddenFill xmlns:a14="http://schemas.microsoft.com/office/drawing/2010/main" xmlns="">
+              <a14:hiddenFill xmlns="" xmlns:a14="http://schemas.microsoft.com/office/drawing/2010/main">
                 <a:solidFill>
                   <a:srgbClr val="FFFFFF"/>
                 </a:solidFill>
               </a14:hiddenFill>
             </a:ext>
             <a:ext uri="{91240B29-F687-4f45-9708-019B960494DF}">
-              <a14:hiddenLine xmlns:a14="http://schemas.microsoft.com/office/drawing/2010/main" xmlns="" w="9525">
+              <a14:hiddenLine xmlns="" xmlns:a14="http://schemas.microsoft.com/office/drawing/2010/main" w="9525">
                 <a:solidFill>
                   <a:srgbClr val="000000"/>
                 </a:solidFill>
@@ -3749,14 +3749,14 @@
           </a:ln>
           <a:extLst>
             <a:ext uri="{909E8E84-426E-40dd-AFC4-6F175D3DCCD1}">
-              <a14:hiddenFill xmlns:a14="http://schemas.microsoft.com/office/drawing/2010/main" xmlns="">
+              <a14:hiddenFill xmlns="" xmlns:a14="http://schemas.microsoft.com/office/drawing/2010/main">
                 <a:solidFill>
                   <a:srgbClr val="FFFFFF"/>
                 </a:solidFill>
               </a14:hiddenFill>
             </a:ext>
             <a:ext uri="{91240B29-F687-4f45-9708-019B960494DF}">
-              <a14:hiddenLine xmlns:a14="http://schemas.microsoft.com/office/drawing/2010/main" xmlns="" w="9525">
+              <a14:hiddenLine xmlns="" xmlns:a14="http://schemas.microsoft.com/office/drawing/2010/main" w="9525">
                 <a:solidFill>
                   <a:srgbClr val="000000"/>
                 </a:solidFill>
@@ -3803,14 +3803,14 @@
           </a:ln>
           <a:extLst>
             <a:ext uri="{909E8E84-426E-40dd-AFC4-6F175D3DCCD1}">
-              <a14:hiddenFill xmlns:a14="http://schemas.microsoft.com/office/drawing/2010/main" xmlns="">
+              <a14:hiddenFill xmlns="" xmlns:a14="http://schemas.microsoft.com/office/drawing/2010/main">
                 <a:solidFill>
                   <a:srgbClr val="FFFFFF"/>
                 </a:solidFill>
               </a14:hiddenFill>
             </a:ext>
             <a:ext uri="{91240B29-F687-4f45-9708-019B960494DF}">
-              <a14:hiddenLine xmlns:a14="http://schemas.microsoft.com/office/drawing/2010/main" xmlns="" w="9525">
+              <a14:hiddenLine xmlns="" xmlns:a14="http://schemas.microsoft.com/office/drawing/2010/main" w="9525">
                 <a:solidFill>
                   <a:srgbClr val="000000"/>
                 </a:solidFill>
@@ -3857,14 +3857,14 @@
           </a:ln>
           <a:extLst>
             <a:ext uri="{909E8E84-426E-40dd-AFC4-6F175D3DCCD1}">
-              <a14:hiddenFill xmlns:a14="http://schemas.microsoft.com/office/drawing/2010/main" xmlns="">
+              <a14:hiddenFill xmlns="" xmlns:a14="http://schemas.microsoft.com/office/drawing/2010/main">
                 <a:solidFill>
                   <a:srgbClr val="FFFFFF"/>
                 </a:solidFill>
               </a14:hiddenFill>
             </a:ext>
             <a:ext uri="{91240B29-F687-4f45-9708-019B960494DF}">
-              <a14:hiddenLine xmlns:a14="http://schemas.microsoft.com/office/drawing/2010/main" xmlns="" w="9525">
+              <a14:hiddenLine xmlns="" xmlns:a14="http://schemas.microsoft.com/office/drawing/2010/main" w="9525">
                 <a:solidFill>
                   <a:srgbClr val="000000"/>
                 </a:solidFill>
@@ -3898,14 +3898,14 @@
           </a:ln>
           <a:extLst>
             <a:ext uri="{909E8E84-426E-40dd-AFC4-6F175D3DCCD1}">
-              <a14:hiddenFill xmlns:a14="http://schemas.microsoft.com/office/drawing/2010/main" xmlns="">
+              <a14:hiddenFill xmlns="" xmlns:a14="http://schemas.microsoft.com/office/drawing/2010/main">
                 <a:solidFill>
                   <a:srgbClr val="FFFFFF"/>
                 </a:solidFill>
               </a14:hiddenFill>
             </a:ext>
             <a:ext uri="{91240B29-F687-4f45-9708-019B960494DF}">
-              <a14:hiddenLine xmlns:a14="http://schemas.microsoft.com/office/drawing/2010/main" xmlns="" w="9525">
+              <a14:hiddenLine xmlns="" xmlns:a14="http://schemas.microsoft.com/office/drawing/2010/main" w="9525">
                 <a:solidFill>
                   <a:srgbClr val="000000"/>
                 </a:solidFill>
@@ -4075,14 +4075,14 @@
           </a:ln>
           <a:extLst>
             <a:ext uri="{909E8E84-426E-40dd-AFC4-6F175D3DCCD1}">
-              <a14:hiddenFill xmlns:a14="http://schemas.microsoft.com/office/drawing/2010/main" xmlns="">
+              <a14:hiddenFill xmlns="" xmlns:a14="http://schemas.microsoft.com/office/drawing/2010/main">
                 <a:solidFill>
                   <a:srgbClr val="FFFFFF"/>
                 </a:solidFill>
               </a14:hiddenFill>
             </a:ext>
             <a:ext uri="{91240B29-F687-4f45-9708-019B960494DF}">
-              <a14:hiddenLine xmlns:a14="http://schemas.microsoft.com/office/drawing/2010/main" xmlns="" w="9525">
+              <a14:hiddenLine xmlns="" xmlns:a14="http://schemas.microsoft.com/office/drawing/2010/main" w="9525">
                 <a:solidFill>
                   <a:srgbClr val="000000"/>
                 </a:solidFill>
@@ -4276,14 +4276,14 @@
           </a:ln>
           <a:extLst>
             <a:ext uri="{909E8E84-426E-40dd-AFC4-6F175D3DCCD1}">
-              <a14:hiddenFill xmlns:a14="http://schemas.microsoft.com/office/drawing/2010/main" xmlns="">
+              <a14:hiddenFill xmlns="" xmlns:a14="http://schemas.microsoft.com/office/drawing/2010/main">
                 <a:solidFill>
                   <a:srgbClr val="FFFFFF"/>
                 </a:solidFill>
               </a14:hiddenFill>
             </a:ext>
             <a:ext uri="{91240B29-F687-4f45-9708-019B960494DF}">
-              <a14:hiddenLine xmlns:a14="http://schemas.microsoft.com/office/drawing/2010/main" xmlns="" w="9525">
+              <a14:hiddenLine xmlns="" xmlns:a14="http://schemas.microsoft.com/office/drawing/2010/main" w="9525">
                 <a:solidFill>
                   <a:srgbClr val="000000"/>
                 </a:solidFill>
@@ -4317,14 +4317,14 @@
           </a:ln>
           <a:extLst>
             <a:ext uri="{909E8E84-426E-40dd-AFC4-6F175D3DCCD1}">
-              <a14:hiddenFill xmlns:a14="http://schemas.microsoft.com/office/drawing/2010/main" xmlns="">
+              <a14:hiddenFill xmlns="" xmlns:a14="http://schemas.microsoft.com/office/drawing/2010/main">
                 <a:solidFill>
                   <a:srgbClr val="FFFFFF"/>
                 </a:solidFill>
               </a14:hiddenFill>
             </a:ext>
             <a:ext uri="{91240B29-F687-4f45-9708-019B960494DF}">
-              <a14:hiddenLine xmlns:a14="http://schemas.microsoft.com/office/drawing/2010/main" xmlns="" w="9525">
+              <a14:hiddenLine xmlns="" xmlns:a14="http://schemas.microsoft.com/office/drawing/2010/main" w="9525">
                 <a:solidFill>
                   <a:srgbClr val="000000"/>
                 </a:solidFill>
@@ -4749,14 +4749,14 @@
           </a:ln>
           <a:extLst>
             <a:ext uri="{909E8E84-426E-40dd-AFC4-6F175D3DCCD1}">
-              <a14:hiddenFill xmlns:a14="http://schemas.microsoft.com/office/drawing/2010/main" xmlns="">
+              <a14:hiddenFill xmlns="" xmlns:a14="http://schemas.microsoft.com/office/drawing/2010/main">
                 <a:solidFill>
                   <a:srgbClr val="FFFFFF"/>
                 </a:solidFill>
               </a14:hiddenFill>
             </a:ext>
             <a:ext uri="{91240B29-F687-4f45-9708-019B960494DF}">
-              <a14:hiddenLine xmlns:a14="http://schemas.microsoft.com/office/drawing/2010/main" xmlns="" w="9525">
+              <a14:hiddenLine xmlns="" xmlns:a14="http://schemas.microsoft.com/office/drawing/2010/main" w="9525">
                 <a:solidFill>
                   <a:srgbClr val="000000"/>
                 </a:solidFill>
@@ -4803,14 +4803,14 @@
           </a:ln>
           <a:extLst>
             <a:ext uri="{909E8E84-426E-40dd-AFC4-6F175D3DCCD1}">
-              <a14:hiddenFill xmlns:a14="http://schemas.microsoft.com/office/drawing/2010/main" xmlns="">
+              <a14:hiddenFill xmlns="" xmlns:a14="http://schemas.microsoft.com/office/drawing/2010/main">
                 <a:solidFill>
                   <a:srgbClr val="FFFFFF"/>
                 </a:solidFill>
               </a14:hiddenFill>
             </a:ext>
             <a:ext uri="{91240B29-F687-4f45-9708-019B960494DF}">
-              <a14:hiddenLine xmlns:a14="http://schemas.microsoft.com/office/drawing/2010/main" xmlns="" w="9525">
+              <a14:hiddenLine xmlns="" xmlns:a14="http://schemas.microsoft.com/office/drawing/2010/main" w="9525">
                 <a:solidFill>
                   <a:srgbClr val="000000"/>
                 </a:solidFill>
@@ -4943,14 +4943,14 @@
           </a:ln>
           <a:extLst>
             <a:ext uri="{909E8E84-426E-40dd-AFC4-6F175D3DCCD1}">
-              <a14:hiddenFill xmlns:a14="http://schemas.microsoft.com/office/drawing/2010/main" xmlns="">
+              <a14:hiddenFill xmlns="" xmlns:a14="http://schemas.microsoft.com/office/drawing/2010/main">
                 <a:solidFill>
                   <a:srgbClr val="FFFFFF"/>
                 </a:solidFill>
               </a14:hiddenFill>
             </a:ext>
             <a:ext uri="{91240B29-F687-4f45-9708-019B960494DF}">
-              <a14:hiddenLine xmlns:a14="http://schemas.microsoft.com/office/drawing/2010/main" xmlns="" w="9525">
+              <a14:hiddenLine xmlns="" xmlns:a14="http://schemas.microsoft.com/office/drawing/2010/main" w="9525">
                 <a:solidFill>
                   <a:srgbClr val="000000"/>
                 </a:solidFill>
@@ -5177,14 +5177,14 @@
           </a:ln>
           <a:extLst>
             <a:ext uri="{909E8E84-426E-40dd-AFC4-6F175D3DCCD1}">
-              <a14:hiddenFill xmlns:a14="http://schemas.microsoft.com/office/drawing/2010/main" xmlns="">
+              <a14:hiddenFill xmlns="" xmlns:a14="http://schemas.microsoft.com/office/drawing/2010/main">
                 <a:solidFill>
                   <a:srgbClr val="FFFFFF"/>
                 </a:solidFill>
               </a14:hiddenFill>
             </a:ext>
             <a:ext uri="{91240B29-F687-4f45-9708-019B960494DF}">
-              <a14:hiddenLine xmlns:a14="http://schemas.microsoft.com/office/drawing/2010/main" xmlns="" w="9525">
+              <a14:hiddenLine xmlns="" xmlns:a14="http://schemas.microsoft.com/office/drawing/2010/main" w="9525">
                 <a:solidFill>
                   <a:srgbClr val="000000"/>
                 </a:solidFill>
@@ -5286,17 +5286,17 @@
           </a:ln>
           <a:extLst>
             <a:ext uri="{FAA26D3D-D897-4be2-8F04-BA451C77F1D7}">
-              <ma14:placeholderFlag xmlns:ma14="http://schemas.microsoft.com/office/mac/drawingml/2011/main" xmlns="" val="1"/>
+              <ma14:placeholderFlag xmlns="" xmlns:ma14="http://schemas.microsoft.com/office/mac/drawingml/2011/main" val="1"/>
             </a:ext>
             <a:ext uri="{909E8E84-426E-40dd-AFC4-6F175D3DCCD1}">
-              <a14:hiddenFill xmlns:a14="http://schemas.microsoft.com/office/drawing/2010/main" xmlns="">
+              <a14:hiddenFill xmlns="" xmlns:a14="http://schemas.microsoft.com/office/drawing/2010/main">
                 <a:solidFill>
                   <a:srgbClr val="FFFFFF"/>
                 </a:solidFill>
               </a14:hiddenFill>
             </a:ext>
             <a:ext uri="{91240B29-F687-4f45-9708-019B960494DF}">
-              <a14:hiddenLine xmlns:a14="http://schemas.microsoft.com/office/drawing/2010/main" xmlns="" w="9525">
+              <a14:hiddenLine xmlns="" xmlns:a14="http://schemas.microsoft.com/office/drawing/2010/main" w="9525">
                 <a:solidFill>
                   <a:srgbClr val="000000"/>
                 </a:solidFill>
@@ -5347,17 +5347,17 @@
           </a:ln>
           <a:extLst>
             <a:ext uri="{FAA26D3D-D897-4be2-8F04-BA451C77F1D7}">
-              <ma14:placeholderFlag xmlns:ma14="http://schemas.microsoft.com/office/mac/drawingml/2011/main" xmlns="" val="1"/>
+              <ma14:placeholderFlag xmlns="" xmlns:ma14="http://schemas.microsoft.com/office/mac/drawingml/2011/main" val="1"/>
             </a:ext>
             <a:ext uri="{909E8E84-426E-40dd-AFC4-6F175D3DCCD1}">
-              <a14:hiddenFill xmlns:a14="http://schemas.microsoft.com/office/drawing/2010/main" xmlns="">
+              <a14:hiddenFill xmlns="" xmlns:a14="http://schemas.microsoft.com/office/drawing/2010/main">
                 <a:solidFill>
                   <a:srgbClr val="FFFFFF"/>
                 </a:solidFill>
               </a14:hiddenFill>
             </a:ext>
             <a:ext uri="{91240B29-F687-4f45-9708-019B960494DF}">
-              <a14:hiddenLine xmlns:a14="http://schemas.microsoft.com/office/drawing/2010/main" xmlns="" w="9525">
+              <a14:hiddenLine xmlns="" xmlns:a14="http://schemas.microsoft.com/office/drawing/2010/main" w="9525">
                 <a:solidFill>
                   <a:srgbClr val="000000"/>
                 </a:solidFill>
@@ -5984,6 +5984,20 @@
             </a:pPr>
             <a:r>
               <a:rPr lang="en-GB" sz="2000" dirty="0"/>
+              <a:t>Research Support Lead</a:t>
+            </a:r>
+          </a:p>
+          <a:p>
+            <a:pPr>
+              <a:spcBef>
+                <a:spcPts val="0"/>
+              </a:spcBef>
+              <a:spcAft>
+                <a:spcPts val="0"/>
+              </a:spcAft>
+            </a:pPr>
+            <a:r>
+              <a:rPr lang="en-GB" sz="2000" dirty="0"/>
               <a:t>ELIXIR Norway</a:t>
             </a:r>
           </a:p>
@@ -7524,17 +7538,17 @@
           </a:ln>
           <a:extLst>
             <a:ext uri="{FAA26D3D-D897-4be2-8F04-BA451C77F1D7}">
-              <ma14:placeholderFlag xmlns:ma14="http://schemas.microsoft.com/office/mac/drawingml/2011/main" xmlns="" val="1"/>
+              <ma14:placeholderFlag xmlns="" xmlns:ma14="http://schemas.microsoft.com/office/mac/drawingml/2011/main" val="1"/>
             </a:ext>
             <a:ext uri="{909E8E84-426E-40dd-AFC4-6F175D3DCCD1}">
-              <a14:hiddenFill xmlns:a14="http://schemas.microsoft.com/office/drawing/2010/main" xmlns="">
+              <a14:hiddenFill xmlns="" xmlns:a14="http://schemas.microsoft.com/office/drawing/2010/main">
                 <a:solidFill>
                   <a:srgbClr val="FFFFFF"/>
                 </a:solidFill>
               </a14:hiddenFill>
             </a:ext>
             <a:ext uri="{91240B29-F687-4f45-9708-019B960494DF}">
-              <a14:hiddenLine xmlns:a14="http://schemas.microsoft.com/office/drawing/2010/main" xmlns="" w="9525">
+              <a14:hiddenLine xmlns="" xmlns:a14="http://schemas.microsoft.com/office/drawing/2010/main" w="9525">
                 <a:solidFill>
                   <a:srgbClr val="000000"/>
                 </a:solidFill>
@@ -7738,17 +7752,17 @@
           </a:ln>
           <a:extLst>
             <a:ext uri="{FAA26D3D-D897-4be2-8F04-BA451C77F1D7}">
-              <ma14:placeholderFlag xmlns:ma14="http://schemas.microsoft.com/office/mac/drawingml/2011/main" xmlns="" val="1"/>
+              <ma14:placeholderFlag xmlns="" xmlns:ma14="http://schemas.microsoft.com/office/mac/drawingml/2011/main" val="1"/>
             </a:ext>
             <a:ext uri="{909E8E84-426E-40dd-AFC4-6F175D3DCCD1}">
-              <a14:hiddenFill xmlns:a14="http://schemas.microsoft.com/office/drawing/2010/main" xmlns="">
+              <a14:hiddenFill xmlns="" xmlns:a14="http://schemas.microsoft.com/office/drawing/2010/main">
                 <a:solidFill>
                   <a:srgbClr val="FFFFFF"/>
                 </a:solidFill>
               </a14:hiddenFill>
             </a:ext>
             <a:ext uri="{91240B29-F687-4f45-9708-019B960494DF}">
-              <a14:hiddenLine xmlns:a14="http://schemas.microsoft.com/office/drawing/2010/main" xmlns="" w="9525">
+              <a14:hiddenLine xmlns="" xmlns:a14="http://schemas.microsoft.com/office/drawing/2010/main" w="9525">
                 <a:solidFill>
                   <a:srgbClr val="000000"/>
                 </a:solidFill>
@@ -10230,17 +10244,17 @@
           </a:ln>
           <a:extLst>
             <a:ext uri="{FAA26D3D-D897-4be2-8F04-BA451C77F1D7}">
-              <ma14:placeholderFlag xmlns:ma14="http://schemas.microsoft.com/office/mac/drawingml/2011/main" xmlns="" val="1"/>
+              <ma14:placeholderFlag xmlns="" xmlns:ma14="http://schemas.microsoft.com/office/mac/drawingml/2011/main" val="1"/>
             </a:ext>
             <a:ext uri="{909E8E84-426E-40dd-AFC4-6F175D3DCCD1}">
-              <a14:hiddenFill xmlns:a14="http://schemas.microsoft.com/office/drawing/2010/main" xmlns="">
+              <a14:hiddenFill xmlns="" xmlns:a14="http://schemas.microsoft.com/office/drawing/2010/main">
                 <a:solidFill>
                   <a:srgbClr val="FFFFFF"/>
                 </a:solidFill>
               </a14:hiddenFill>
             </a:ext>
             <a:ext uri="{91240B29-F687-4f45-9708-019B960494DF}">
-              <a14:hiddenLine xmlns:a14="http://schemas.microsoft.com/office/drawing/2010/main" xmlns="" w="9525">
+              <a14:hiddenLine xmlns="" xmlns:a14="http://schemas.microsoft.com/office/drawing/2010/main" w="9525">
                 <a:solidFill>
                   <a:srgbClr val="000000"/>
                 </a:solidFill>
@@ -19067,17 +19081,17 @@
           </a:ln>
           <a:extLst>
             <a:ext uri="{FAA26D3D-D897-4be2-8F04-BA451C77F1D7}">
-              <ma14:placeholderFlag xmlns:ma14="http://schemas.microsoft.com/office/mac/drawingml/2011/main" xmlns="" val="1"/>
+              <ma14:placeholderFlag xmlns="" xmlns:ma14="http://schemas.microsoft.com/office/mac/drawingml/2011/main" val="1"/>
             </a:ext>
             <a:ext uri="{909E8E84-426E-40dd-AFC4-6F175D3DCCD1}">
-              <a14:hiddenFill xmlns:a14="http://schemas.microsoft.com/office/drawing/2010/main" xmlns="">
+              <a14:hiddenFill xmlns="" xmlns:a14="http://schemas.microsoft.com/office/drawing/2010/main">
                 <a:solidFill>
                   <a:srgbClr val="FFFFFF"/>
                 </a:solidFill>
               </a14:hiddenFill>
             </a:ext>
             <a:ext uri="{91240B29-F687-4f45-9708-019B960494DF}">
-              <a14:hiddenLine xmlns:a14="http://schemas.microsoft.com/office/drawing/2010/main" xmlns="" w="9525">
+              <a14:hiddenLine xmlns="" xmlns:a14="http://schemas.microsoft.com/office/drawing/2010/main" w="9525">
                 <a:solidFill>
                   <a:srgbClr val="000000"/>
                 </a:solidFill>
@@ -22349,17 +22363,17 @@
           </a:ln>
           <a:extLst>
             <a:ext uri="{FAA26D3D-D897-4be2-8F04-BA451C77F1D7}">
-              <ma14:placeholderFlag xmlns:ma14="http://schemas.microsoft.com/office/mac/drawingml/2011/main" xmlns="" val="1"/>
+              <ma14:placeholderFlag xmlns="" xmlns:ma14="http://schemas.microsoft.com/office/mac/drawingml/2011/main" val="1"/>
             </a:ext>
             <a:ext uri="{909E8E84-426E-40dd-AFC4-6F175D3DCCD1}">
-              <a14:hiddenFill xmlns:a14="http://schemas.microsoft.com/office/drawing/2010/main" xmlns="">
+              <a14:hiddenFill xmlns="" xmlns:a14="http://schemas.microsoft.com/office/drawing/2010/main">
                 <a:solidFill>
                   <a:srgbClr val="FFFFFF"/>
                 </a:solidFill>
               </a14:hiddenFill>
             </a:ext>
             <a:ext uri="{91240B29-F687-4f45-9708-019B960494DF}">
-              <a14:hiddenLine xmlns:a14="http://schemas.microsoft.com/office/drawing/2010/main" xmlns="" w="9525">
+              <a14:hiddenLine xmlns="" xmlns:a14="http://schemas.microsoft.com/office/drawing/2010/main" w="9525">
                 <a:solidFill>
                   <a:srgbClr val="000000"/>
                 </a:solidFill>
@@ -22568,17 +22582,17 @@
           </a:ln>
           <a:extLst>
             <a:ext uri="{FAA26D3D-D897-4be2-8F04-BA451C77F1D7}">
-              <ma14:placeholderFlag xmlns:ma14="http://schemas.microsoft.com/office/mac/drawingml/2011/main" xmlns="" val="1"/>
+              <ma14:placeholderFlag xmlns="" xmlns:ma14="http://schemas.microsoft.com/office/mac/drawingml/2011/main" val="1"/>
             </a:ext>
             <a:ext uri="{909E8E84-426E-40dd-AFC4-6F175D3DCCD1}">
-              <a14:hiddenFill xmlns:a14="http://schemas.microsoft.com/office/drawing/2010/main" xmlns="">
+              <a14:hiddenFill xmlns="" xmlns:a14="http://schemas.microsoft.com/office/drawing/2010/main">
                 <a:solidFill>
                   <a:srgbClr val="FFFFFF"/>
                 </a:solidFill>
               </a14:hiddenFill>
             </a:ext>
             <a:ext uri="{91240B29-F687-4f45-9708-019B960494DF}">
-              <a14:hiddenLine xmlns:a14="http://schemas.microsoft.com/office/drawing/2010/main" xmlns="" w="9525">
+              <a14:hiddenLine xmlns="" xmlns:a14="http://schemas.microsoft.com/office/drawing/2010/main" w="9525">
                 <a:solidFill>
                   <a:srgbClr val="000000"/>
                 </a:solidFill>

--- a/05_National_storage_infrastructures.pptx
+++ b/05_National_storage_infrastructures.pptx
@@ -5,7 +5,7 @@
     <p:sldMasterId id="2147483660" r:id="rId1"/>
   </p:sldMasterIdLst>
   <p:notesMasterIdLst>
-    <p:notesMasterId r:id="rId22"/>
+    <p:notesMasterId r:id="rId23"/>
   </p:notesMasterIdLst>
   <p:sldIdLst>
     <p:sldId id="256" r:id="rId2"/>
@@ -28,6 +28,7 @@
     <p:sldId id="481" r:id="rId19"/>
     <p:sldId id="486" r:id="rId20"/>
     <p:sldId id="485" r:id="rId21"/>
+    <p:sldId id="492" r:id="rId22"/>
   </p:sldIdLst>
   <p:sldSz cx="12192000" cy="6858000"/>
   <p:notesSz cx="7315200" cy="9601200"/>
@@ -241,7 +242,7 @@
           <a:p>
             <a:fld id="{48DFFBC8-A418-6444-A1F2-AF3DCBD12C89}" type="datetimeFigureOut">
               <a:rPr lang="en-GB" smtClean="0"/>
-              <a:t>21/08/2023</a:t>
+              <a:t>05/06/2024</a:t>
             </a:fld>
             <a:endParaRPr lang="en-GB"/>
           </a:p>
@@ -2791,14 +2792,14 @@
           </a:ln>
           <a:extLst>
             <a:ext uri="{909E8E84-426E-40dd-AFC4-6F175D3DCCD1}">
-              <a14:hiddenFill xmlns="" xmlns:a14="http://schemas.microsoft.com/office/drawing/2010/main">
+              <a14:hiddenFill xmlns:a14="http://schemas.microsoft.com/office/drawing/2010/main" xmlns="">
                 <a:solidFill>
                   <a:srgbClr val="FFFFFF"/>
                 </a:solidFill>
               </a14:hiddenFill>
             </a:ext>
             <a:ext uri="{91240B29-F687-4f45-9708-019B960494DF}">
-              <a14:hiddenLine xmlns="" xmlns:a14="http://schemas.microsoft.com/office/drawing/2010/main" w="9525">
+              <a14:hiddenLine xmlns:a14="http://schemas.microsoft.com/office/drawing/2010/main" xmlns="" w="9525">
                 <a:solidFill>
                   <a:srgbClr val="000000"/>
                 </a:solidFill>
@@ -3103,14 +3104,14 @@
           </a:ln>
           <a:extLst>
             <a:ext uri="{909E8E84-426E-40dd-AFC4-6F175D3DCCD1}">
-              <a14:hiddenFill xmlns="" xmlns:a14="http://schemas.microsoft.com/office/drawing/2010/main">
+              <a14:hiddenFill xmlns:a14="http://schemas.microsoft.com/office/drawing/2010/main" xmlns="">
                 <a:solidFill>
                   <a:srgbClr val="FFFFFF"/>
                 </a:solidFill>
               </a14:hiddenFill>
             </a:ext>
             <a:ext uri="{91240B29-F687-4f45-9708-019B960494DF}">
-              <a14:hiddenLine xmlns="" xmlns:a14="http://schemas.microsoft.com/office/drawing/2010/main" w="9525">
+              <a14:hiddenLine xmlns:a14="http://schemas.microsoft.com/office/drawing/2010/main" xmlns="" w="9525">
                 <a:solidFill>
                   <a:srgbClr val="000000"/>
                 </a:solidFill>
@@ -3144,14 +3145,14 @@
           </a:ln>
           <a:extLst>
             <a:ext uri="{909E8E84-426E-40dd-AFC4-6F175D3DCCD1}">
-              <a14:hiddenFill xmlns="" xmlns:a14="http://schemas.microsoft.com/office/drawing/2010/main">
+              <a14:hiddenFill xmlns:a14="http://schemas.microsoft.com/office/drawing/2010/main" xmlns="">
                 <a:solidFill>
                   <a:srgbClr val="FFFFFF"/>
                 </a:solidFill>
               </a14:hiddenFill>
             </a:ext>
             <a:ext uri="{91240B29-F687-4f45-9708-019B960494DF}">
-              <a14:hiddenLine xmlns="" xmlns:a14="http://schemas.microsoft.com/office/drawing/2010/main" w="9525">
+              <a14:hiddenLine xmlns:a14="http://schemas.microsoft.com/office/drawing/2010/main" xmlns="" w="9525">
                 <a:solidFill>
                   <a:srgbClr val="000000"/>
                 </a:solidFill>
@@ -3356,14 +3357,14 @@
           </a:ln>
           <a:extLst>
             <a:ext uri="{909E8E84-426E-40dd-AFC4-6F175D3DCCD1}">
-              <a14:hiddenFill xmlns="" xmlns:a14="http://schemas.microsoft.com/office/drawing/2010/main">
+              <a14:hiddenFill xmlns:a14="http://schemas.microsoft.com/office/drawing/2010/main" xmlns="">
                 <a:solidFill>
                   <a:srgbClr val="FFFFFF"/>
                 </a:solidFill>
               </a14:hiddenFill>
             </a:ext>
             <a:ext uri="{91240B29-F687-4f45-9708-019B960494DF}">
-              <a14:hiddenLine xmlns="" xmlns:a14="http://schemas.microsoft.com/office/drawing/2010/main" w="9525">
+              <a14:hiddenLine xmlns:a14="http://schemas.microsoft.com/office/drawing/2010/main" xmlns="" w="9525">
                 <a:solidFill>
                   <a:srgbClr val="000000"/>
                 </a:solidFill>
@@ -3410,14 +3411,14 @@
           </a:ln>
           <a:extLst>
             <a:ext uri="{909E8E84-426E-40dd-AFC4-6F175D3DCCD1}">
-              <a14:hiddenFill xmlns="" xmlns:a14="http://schemas.microsoft.com/office/drawing/2010/main">
+              <a14:hiddenFill xmlns:a14="http://schemas.microsoft.com/office/drawing/2010/main" xmlns="">
                 <a:solidFill>
                   <a:srgbClr val="FFFFFF"/>
                 </a:solidFill>
               </a14:hiddenFill>
             </a:ext>
             <a:ext uri="{91240B29-F687-4f45-9708-019B960494DF}">
-              <a14:hiddenLine xmlns="" xmlns:a14="http://schemas.microsoft.com/office/drawing/2010/main" w="9525">
+              <a14:hiddenLine xmlns:a14="http://schemas.microsoft.com/office/drawing/2010/main" xmlns="" w="9525">
                 <a:solidFill>
                   <a:srgbClr val="000000"/>
                 </a:solidFill>
@@ -3451,14 +3452,14 @@
           </a:ln>
           <a:extLst>
             <a:ext uri="{909E8E84-426E-40dd-AFC4-6F175D3DCCD1}">
-              <a14:hiddenFill xmlns="" xmlns:a14="http://schemas.microsoft.com/office/drawing/2010/main">
+              <a14:hiddenFill xmlns:a14="http://schemas.microsoft.com/office/drawing/2010/main" xmlns="">
                 <a:solidFill>
                   <a:srgbClr val="FFFFFF"/>
                 </a:solidFill>
               </a14:hiddenFill>
             </a:ext>
             <a:ext uri="{91240B29-F687-4f45-9708-019B960494DF}">
-              <a14:hiddenLine xmlns="" xmlns:a14="http://schemas.microsoft.com/office/drawing/2010/main" w="9525">
+              <a14:hiddenLine xmlns:a14="http://schemas.microsoft.com/office/drawing/2010/main" xmlns="" w="9525">
                 <a:solidFill>
                   <a:srgbClr val="000000"/>
                 </a:solidFill>
@@ -3749,14 +3750,14 @@
           </a:ln>
           <a:extLst>
             <a:ext uri="{909E8E84-426E-40dd-AFC4-6F175D3DCCD1}">
-              <a14:hiddenFill xmlns="" xmlns:a14="http://schemas.microsoft.com/office/drawing/2010/main">
+              <a14:hiddenFill xmlns:a14="http://schemas.microsoft.com/office/drawing/2010/main" xmlns="">
                 <a:solidFill>
                   <a:srgbClr val="FFFFFF"/>
                 </a:solidFill>
               </a14:hiddenFill>
             </a:ext>
             <a:ext uri="{91240B29-F687-4f45-9708-019B960494DF}">
-              <a14:hiddenLine xmlns="" xmlns:a14="http://schemas.microsoft.com/office/drawing/2010/main" w="9525">
+              <a14:hiddenLine xmlns:a14="http://schemas.microsoft.com/office/drawing/2010/main" xmlns="" w="9525">
                 <a:solidFill>
                   <a:srgbClr val="000000"/>
                 </a:solidFill>
@@ -3803,14 +3804,14 @@
           </a:ln>
           <a:extLst>
             <a:ext uri="{909E8E84-426E-40dd-AFC4-6F175D3DCCD1}">
-              <a14:hiddenFill xmlns="" xmlns:a14="http://schemas.microsoft.com/office/drawing/2010/main">
+              <a14:hiddenFill xmlns:a14="http://schemas.microsoft.com/office/drawing/2010/main" xmlns="">
                 <a:solidFill>
                   <a:srgbClr val="FFFFFF"/>
                 </a:solidFill>
               </a14:hiddenFill>
             </a:ext>
             <a:ext uri="{91240B29-F687-4f45-9708-019B960494DF}">
-              <a14:hiddenLine xmlns="" xmlns:a14="http://schemas.microsoft.com/office/drawing/2010/main" w="9525">
+              <a14:hiddenLine xmlns:a14="http://schemas.microsoft.com/office/drawing/2010/main" xmlns="" w="9525">
                 <a:solidFill>
                   <a:srgbClr val="000000"/>
                 </a:solidFill>
@@ -3857,14 +3858,14 @@
           </a:ln>
           <a:extLst>
             <a:ext uri="{909E8E84-426E-40dd-AFC4-6F175D3DCCD1}">
-              <a14:hiddenFill xmlns="" xmlns:a14="http://schemas.microsoft.com/office/drawing/2010/main">
+              <a14:hiddenFill xmlns:a14="http://schemas.microsoft.com/office/drawing/2010/main" xmlns="">
                 <a:solidFill>
                   <a:srgbClr val="FFFFFF"/>
                 </a:solidFill>
               </a14:hiddenFill>
             </a:ext>
             <a:ext uri="{91240B29-F687-4f45-9708-019B960494DF}">
-              <a14:hiddenLine xmlns="" xmlns:a14="http://schemas.microsoft.com/office/drawing/2010/main" w="9525">
+              <a14:hiddenLine xmlns:a14="http://schemas.microsoft.com/office/drawing/2010/main" xmlns="" w="9525">
                 <a:solidFill>
                   <a:srgbClr val="000000"/>
                 </a:solidFill>
@@ -3898,14 +3899,14 @@
           </a:ln>
           <a:extLst>
             <a:ext uri="{909E8E84-426E-40dd-AFC4-6F175D3DCCD1}">
-              <a14:hiddenFill xmlns="" xmlns:a14="http://schemas.microsoft.com/office/drawing/2010/main">
+              <a14:hiddenFill xmlns:a14="http://schemas.microsoft.com/office/drawing/2010/main" xmlns="">
                 <a:solidFill>
                   <a:srgbClr val="FFFFFF"/>
                 </a:solidFill>
               </a14:hiddenFill>
             </a:ext>
             <a:ext uri="{91240B29-F687-4f45-9708-019B960494DF}">
-              <a14:hiddenLine xmlns="" xmlns:a14="http://schemas.microsoft.com/office/drawing/2010/main" w="9525">
+              <a14:hiddenLine xmlns:a14="http://schemas.microsoft.com/office/drawing/2010/main" xmlns="" w="9525">
                 <a:solidFill>
                   <a:srgbClr val="000000"/>
                 </a:solidFill>
@@ -4075,14 +4076,14 @@
           </a:ln>
           <a:extLst>
             <a:ext uri="{909E8E84-426E-40dd-AFC4-6F175D3DCCD1}">
-              <a14:hiddenFill xmlns="" xmlns:a14="http://schemas.microsoft.com/office/drawing/2010/main">
+              <a14:hiddenFill xmlns:a14="http://schemas.microsoft.com/office/drawing/2010/main" xmlns="">
                 <a:solidFill>
                   <a:srgbClr val="FFFFFF"/>
                 </a:solidFill>
               </a14:hiddenFill>
             </a:ext>
             <a:ext uri="{91240B29-F687-4f45-9708-019B960494DF}">
-              <a14:hiddenLine xmlns="" xmlns:a14="http://schemas.microsoft.com/office/drawing/2010/main" w="9525">
+              <a14:hiddenLine xmlns:a14="http://schemas.microsoft.com/office/drawing/2010/main" xmlns="" w="9525">
                 <a:solidFill>
                   <a:srgbClr val="000000"/>
                 </a:solidFill>
@@ -4276,14 +4277,14 @@
           </a:ln>
           <a:extLst>
             <a:ext uri="{909E8E84-426E-40dd-AFC4-6F175D3DCCD1}">
-              <a14:hiddenFill xmlns="" xmlns:a14="http://schemas.microsoft.com/office/drawing/2010/main">
+              <a14:hiddenFill xmlns:a14="http://schemas.microsoft.com/office/drawing/2010/main" xmlns="">
                 <a:solidFill>
                   <a:srgbClr val="FFFFFF"/>
                 </a:solidFill>
               </a14:hiddenFill>
             </a:ext>
             <a:ext uri="{91240B29-F687-4f45-9708-019B960494DF}">
-              <a14:hiddenLine xmlns="" xmlns:a14="http://schemas.microsoft.com/office/drawing/2010/main" w="9525">
+              <a14:hiddenLine xmlns:a14="http://schemas.microsoft.com/office/drawing/2010/main" xmlns="" w="9525">
                 <a:solidFill>
                   <a:srgbClr val="000000"/>
                 </a:solidFill>
@@ -4317,14 +4318,14 @@
           </a:ln>
           <a:extLst>
             <a:ext uri="{909E8E84-426E-40dd-AFC4-6F175D3DCCD1}">
-              <a14:hiddenFill xmlns="" xmlns:a14="http://schemas.microsoft.com/office/drawing/2010/main">
+              <a14:hiddenFill xmlns:a14="http://schemas.microsoft.com/office/drawing/2010/main" xmlns="">
                 <a:solidFill>
                   <a:srgbClr val="FFFFFF"/>
                 </a:solidFill>
               </a14:hiddenFill>
             </a:ext>
             <a:ext uri="{91240B29-F687-4f45-9708-019B960494DF}">
-              <a14:hiddenLine xmlns="" xmlns:a14="http://schemas.microsoft.com/office/drawing/2010/main" w="9525">
+              <a14:hiddenLine xmlns:a14="http://schemas.microsoft.com/office/drawing/2010/main" xmlns="" w="9525">
                 <a:solidFill>
                   <a:srgbClr val="000000"/>
                 </a:solidFill>
@@ -4749,14 +4750,14 @@
           </a:ln>
           <a:extLst>
             <a:ext uri="{909E8E84-426E-40dd-AFC4-6F175D3DCCD1}">
-              <a14:hiddenFill xmlns="" xmlns:a14="http://schemas.microsoft.com/office/drawing/2010/main">
+              <a14:hiddenFill xmlns:a14="http://schemas.microsoft.com/office/drawing/2010/main" xmlns="">
                 <a:solidFill>
                   <a:srgbClr val="FFFFFF"/>
                 </a:solidFill>
               </a14:hiddenFill>
             </a:ext>
             <a:ext uri="{91240B29-F687-4f45-9708-019B960494DF}">
-              <a14:hiddenLine xmlns="" xmlns:a14="http://schemas.microsoft.com/office/drawing/2010/main" w="9525">
+              <a14:hiddenLine xmlns:a14="http://schemas.microsoft.com/office/drawing/2010/main" xmlns="" w="9525">
                 <a:solidFill>
                   <a:srgbClr val="000000"/>
                 </a:solidFill>
@@ -4803,14 +4804,14 @@
           </a:ln>
           <a:extLst>
             <a:ext uri="{909E8E84-426E-40dd-AFC4-6F175D3DCCD1}">
-              <a14:hiddenFill xmlns="" xmlns:a14="http://schemas.microsoft.com/office/drawing/2010/main">
+              <a14:hiddenFill xmlns:a14="http://schemas.microsoft.com/office/drawing/2010/main" xmlns="">
                 <a:solidFill>
                   <a:srgbClr val="FFFFFF"/>
                 </a:solidFill>
               </a14:hiddenFill>
             </a:ext>
             <a:ext uri="{91240B29-F687-4f45-9708-019B960494DF}">
-              <a14:hiddenLine xmlns="" xmlns:a14="http://schemas.microsoft.com/office/drawing/2010/main" w="9525">
+              <a14:hiddenLine xmlns:a14="http://schemas.microsoft.com/office/drawing/2010/main" xmlns="" w="9525">
                 <a:solidFill>
                   <a:srgbClr val="000000"/>
                 </a:solidFill>
@@ -4943,14 +4944,14 @@
           </a:ln>
           <a:extLst>
             <a:ext uri="{909E8E84-426E-40dd-AFC4-6F175D3DCCD1}">
-              <a14:hiddenFill xmlns="" xmlns:a14="http://schemas.microsoft.com/office/drawing/2010/main">
+              <a14:hiddenFill xmlns:a14="http://schemas.microsoft.com/office/drawing/2010/main" xmlns="">
                 <a:solidFill>
                   <a:srgbClr val="FFFFFF"/>
                 </a:solidFill>
               </a14:hiddenFill>
             </a:ext>
             <a:ext uri="{91240B29-F687-4f45-9708-019B960494DF}">
-              <a14:hiddenLine xmlns="" xmlns:a14="http://schemas.microsoft.com/office/drawing/2010/main" w="9525">
+              <a14:hiddenLine xmlns:a14="http://schemas.microsoft.com/office/drawing/2010/main" xmlns="" w="9525">
                 <a:solidFill>
                   <a:srgbClr val="000000"/>
                 </a:solidFill>
@@ -5177,14 +5178,14 @@
           </a:ln>
           <a:extLst>
             <a:ext uri="{909E8E84-426E-40dd-AFC4-6F175D3DCCD1}">
-              <a14:hiddenFill xmlns="" xmlns:a14="http://schemas.microsoft.com/office/drawing/2010/main">
+              <a14:hiddenFill xmlns:a14="http://schemas.microsoft.com/office/drawing/2010/main" xmlns="">
                 <a:solidFill>
                   <a:srgbClr val="FFFFFF"/>
                 </a:solidFill>
               </a14:hiddenFill>
             </a:ext>
             <a:ext uri="{91240B29-F687-4f45-9708-019B960494DF}">
-              <a14:hiddenLine xmlns="" xmlns:a14="http://schemas.microsoft.com/office/drawing/2010/main" w="9525">
+              <a14:hiddenLine xmlns:a14="http://schemas.microsoft.com/office/drawing/2010/main" xmlns="" w="9525">
                 <a:solidFill>
                   <a:srgbClr val="000000"/>
                 </a:solidFill>
@@ -5286,17 +5287,17 @@
           </a:ln>
           <a:extLst>
             <a:ext uri="{FAA26D3D-D897-4be2-8F04-BA451C77F1D7}">
-              <ma14:placeholderFlag xmlns="" xmlns:ma14="http://schemas.microsoft.com/office/mac/drawingml/2011/main" val="1"/>
+              <ma14:placeholderFlag xmlns:ma14="http://schemas.microsoft.com/office/mac/drawingml/2011/main" xmlns="" val="1"/>
             </a:ext>
             <a:ext uri="{909E8E84-426E-40dd-AFC4-6F175D3DCCD1}">
-              <a14:hiddenFill xmlns="" xmlns:a14="http://schemas.microsoft.com/office/drawing/2010/main">
+              <a14:hiddenFill xmlns:a14="http://schemas.microsoft.com/office/drawing/2010/main" xmlns="">
                 <a:solidFill>
                   <a:srgbClr val="FFFFFF"/>
                 </a:solidFill>
               </a14:hiddenFill>
             </a:ext>
             <a:ext uri="{91240B29-F687-4f45-9708-019B960494DF}">
-              <a14:hiddenLine xmlns="" xmlns:a14="http://schemas.microsoft.com/office/drawing/2010/main" w="9525">
+              <a14:hiddenLine xmlns:a14="http://schemas.microsoft.com/office/drawing/2010/main" xmlns="" w="9525">
                 <a:solidFill>
                   <a:srgbClr val="000000"/>
                 </a:solidFill>
@@ -5347,17 +5348,17 @@
           </a:ln>
           <a:extLst>
             <a:ext uri="{FAA26D3D-D897-4be2-8F04-BA451C77F1D7}">
-              <ma14:placeholderFlag xmlns="" xmlns:ma14="http://schemas.microsoft.com/office/mac/drawingml/2011/main" val="1"/>
+              <ma14:placeholderFlag xmlns:ma14="http://schemas.microsoft.com/office/mac/drawingml/2011/main" xmlns="" val="1"/>
             </a:ext>
             <a:ext uri="{909E8E84-426E-40dd-AFC4-6F175D3DCCD1}">
-              <a14:hiddenFill xmlns="" xmlns:a14="http://schemas.microsoft.com/office/drawing/2010/main">
+              <a14:hiddenFill xmlns:a14="http://schemas.microsoft.com/office/drawing/2010/main" xmlns="">
                 <a:solidFill>
                   <a:srgbClr val="FFFFFF"/>
                 </a:solidFill>
               </a14:hiddenFill>
             </a:ext>
             <a:ext uri="{91240B29-F687-4f45-9708-019B960494DF}">
-              <a14:hiddenLine xmlns="" xmlns:a14="http://schemas.microsoft.com/office/drawing/2010/main" w="9525">
+              <a14:hiddenLine xmlns:a14="http://schemas.microsoft.com/office/drawing/2010/main" xmlns="" w="9525">
                 <a:solidFill>
                   <a:srgbClr val="000000"/>
                 </a:solidFill>
@@ -7538,17 +7539,17 @@
           </a:ln>
           <a:extLst>
             <a:ext uri="{FAA26D3D-D897-4be2-8F04-BA451C77F1D7}">
-              <ma14:placeholderFlag xmlns="" xmlns:ma14="http://schemas.microsoft.com/office/mac/drawingml/2011/main" val="1"/>
+              <ma14:placeholderFlag xmlns:ma14="http://schemas.microsoft.com/office/mac/drawingml/2011/main" xmlns="" val="1"/>
             </a:ext>
             <a:ext uri="{909E8E84-426E-40dd-AFC4-6F175D3DCCD1}">
-              <a14:hiddenFill xmlns="" xmlns:a14="http://schemas.microsoft.com/office/drawing/2010/main">
+              <a14:hiddenFill xmlns:a14="http://schemas.microsoft.com/office/drawing/2010/main" xmlns="">
                 <a:solidFill>
                   <a:srgbClr val="FFFFFF"/>
                 </a:solidFill>
               </a14:hiddenFill>
             </a:ext>
             <a:ext uri="{91240B29-F687-4f45-9708-019B960494DF}">
-              <a14:hiddenLine xmlns="" xmlns:a14="http://schemas.microsoft.com/office/drawing/2010/main" w="9525">
+              <a14:hiddenLine xmlns:a14="http://schemas.microsoft.com/office/drawing/2010/main" xmlns="" w="9525">
                 <a:solidFill>
                   <a:srgbClr val="000000"/>
                 </a:solidFill>
@@ -7752,17 +7753,17 @@
           </a:ln>
           <a:extLst>
             <a:ext uri="{FAA26D3D-D897-4be2-8F04-BA451C77F1D7}">
-              <ma14:placeholderFlag xmlns="" xmlns:ma14="http://schemas.microsoft.com/office/mac/drawingml/2011/main" val="1"/>
+              <ma14:placeholderFlag xmlns:ma14="http://schemas.microsoft.com/office/mac/drawingml/2011/main" xmlns="" val="1"/>
             </a:ext>
             <a:ext uri="{909E8E84-426E-40dd-AFC4-6F175D3DCCD1}">
-              <a14:hiddenFill xmlns="" xmlns:a14="http://schemas.microsoft.com/office/drawing/2010/main">
+              <a14:hiddenFill xmlns:a14="http://schemas.microsoft.com/office/drawing/2010/main" xmlns="">
                 <a:solidFill>
                   <a:srgbClr val="FFFFFF"/>
                 </a:solidFill>
               </a14:hiddenFill>
             </a:ext>
             <a:ext uri="{91240B29-F687-4f45-9708-019B960494DF}">
-              <a14:hiddenLine xmlns="" xmlns:a14="http://schemas.microsoft.com/office/drawing/2010/main" w="9525">
+              <a14:hiddenLine xmlns:a14="http://schemas.microsoft.com/office/drawing/2010/main" xmlns="" w="9525">
                 <a:solidFill>
                   <a:srgbClr val="000000"/>
                 </a:solidFill>
@@ -10244,17 +10245,17 @@
           </a:ln>
           <a:extLst>
             <a:ext uri="{FAA26D3D-D897-4be2-8F04-BA451C77F1D7}">
-              <ma14:placeholderFlag xmlns="" xmlns:ma14="http://schemas.microsoft.com/office/mac/drawingml/2011/main" val="1"/>
+              <ma14:placeholderFlag xmlns:ma14="http://schemas.microsoft.com/office/mac/drawingml/2011/main" xmlns="" val="1"/>
             </a:ext>
             <a:ext uri="{909E8E84-426E-40dd-AFC4-6F175D3DCCD1}">
-              <a14:hiddenFill xmlns="" xmlns:a14="http://schemas.microsoft.com/office/drawing/2010/main">
+              <a14:hiddenFill xmlns:a14="http://schemas.microsoft.com/office/drawing/2010/main" xmlns="">
                 <a:solidFill>
                   <a:srgbClr val="FFFFFF"/>
                 </a:solidFill>
               </a14:hiddenFill>
             </a:ext>
             <a:ext uri="{91240B29-F687-4f45-9708-019B960494DF}">
-              <a14:hiddenLine xmlns="" xmlns:a14="http://schemas.microsoft.com/office/drawing/2010/main" w="9525">
+              <a14:hiddenLine xmlns:a14="http://schemas.microsoft.com/office/drawing/2010/main" xmlns="" w="9525">
                 <a:solidFill>
                   <a:srgbClr val="000000"/>
                 </a:solidFill>
@@ -16523,6 +16524,70 @@
 </p:sld>
 </file>
 
+<file path=ppt/slides/slide21.xml><?xml version="1.0" encoding="utf-8"?>
+<p:sld xmlns:a="http://schemas.openxmlformats.org/drawingml/2006/main" xmlns:r="http://schemas.openxmlformats.org/officeDocument/2006/relationships" xmlns:p="http://schemas.openxmlformats.org/presentationml/2006/main">
+  <p:cSld>
+    <p:spTree>
+      <p:nvGrpSpPr>
+        <p:cNvPr id="1" name=""/>
+        <p:cNvGrpSpPr/>
+        <p:nvPr/>
+      </p:nvGrpSpPr>
+      <p:grpSpPr>
+        <a:xfrm>
+          <a:off x="0" y="0"/>
+          <a:ext cx="0" cy="0"/>
+          <a:chOff x="0" y="0"/>
+          <a:chExt cx="0" cy="0"/>
+        </a:xfrm>
+      </p:grpSpPr>
+      <p:sp>
+        <p:nvSpPr>
+          <p:cNvPr id="2" name="Title 1">
+            <a:extLst>
+              <a:ext uri="{FF2B5EF4-FFF2-40B4-BE49-F238E27FC236}">
+                <a16:creationId xmlns:a16="http://schemas.microsoft.com/office/drawing/2014/main" id="{D0F30FEF-43E4-C99B-0BC9-848E4DE07A5B}"/>
+              </a:ext>
+            </a:extLst>
+          </p:cNvPr>
+          <p:cNvSpPr>
+            <a:spLocks noGrp="1"/>
+          </p:cNvSpPr>
+          <p:nvPr>
+            <p:ph type="title"/>
+          </p:nvPr>
+        </p:nvSpPr>
+        <p:spPr>
+          <a:xfrm>
+            <a:off x="660400" y="3104964"/>
+            <a:ext cx="10871200" cy="648072"/>
+          </a:xfrm>
+        </p:spPr>
+        <p:txBody>
+          <a:bodyPr/>
+          <a:lstStyle/>
+          <a:p>
+            <a:pPr algn="ctr"/>
+            <a:r>
+              <a:rPr lang="en-GB" dirty="0"/>
+              <a:t>support@elixir.no</a:t>
+            </a:r>
+          </a:p>
+        </p:txBody>
+      </p:sp>
+    </p:spTree>
+    <p:extLst>
+      <p:ext uri="{BB962C8B-B14F-4D97-AF65-F5344CB8AC3E}">
+        <p14:creationId xmlns:p14="http://schemas.microsoft.com/office/powerpoint/2010/main" val="1706502223"/>
+      </p:ext>
+    </p:extLst>
+  </p:cSld>
+  <p:clrMapOvr>
+    <a:masterClrMapping/>
+  </p:clrMapOvr>
+</p:sld>
+</file>
+
 <file path=ppt/slides/slide3.xml><?xml version="1.0" encoding="utf-8"?>
 <p:sld xmlns:a="http://schemas.openxmlformats.org/drawingml/2006/main" xmlns:r="http://schemas.openxmlformats.org/officeDocument/2006/relationships" xmlns:p="http://schemas.openxmlformats.org/presentationml/2006/main">
   <p:cSld>
@@ -19081,17 +19146,17 @@
           </a:ln>
           <a:extLst>
             <a:ext uri="{FAA26D3D-D897-4be2-8F04-BA451C77F1D7}">
-              <ma14:placeholderFlag xmlns="" xmlns:ma14="http://schemas.microsoft.com/office/mac/drawingml/2011/main" val="1"/>
+              <ma14:placeholderFlag xmlns:ma14="http://schemas.microsoft.com/office/mac/drawingml/2011/main" xmlns="" val="1"/>
             </a:ext>
             <a:ext uri="{909E8E84-426E-40dd-AFC4-6F175D3DCCD1}">
-              <a14:hiddenFill xmlns="" xmlns:a14="http://schemas.microsoft.com/office/drawing/2010/main">
+              <a14:hiddenFill xmlns:a14="http://schemas.microsoft.com/office/drawing/2010/main" xmlns="">
                 <a:solidFill>
                   <a:srgbClr val="FFFFFF"/>
                 </a:solidFill>
               </a14:hiddenFill>
             </a:ext>
             <a:ext uri="{91240B29-F687-4f45-9708-019B960494DF}">
-              <a14:hiddenLine xmlns="" xmlns:a14="http://schemas.microsoft.com/office/drawing/2010/main" w="9525">
+              <a14:hiddenLine xmlns:a14="http://schemas.microsoft.com/office/drawing/2010/main" xmlns="" w="9525">
                 <a:solidFill>
                   <a:srgbClr val="000000"/>
                 </a:solidFill>
@@ -22363,17 +22428,17 @@
           </a:ln>
           <a:extLst>
             <a:ext uri="{FAA26D3D-D897-4be2-8F04-BA451C77F1D7}">
-              <ma14:placeholderFlag xmlns="" xmlns:ma14="http://schemas.microsoft.com/office/mac/drawingml/2011/main" val="1"/>
+              <ma14:placeholderFlag xmlns:ma14="http://schemas.microsoft.com/office/mac/drawingml/2011/main" xmlns="" val="1"/>
             </a:ext>
             <a:ext uri="{909E8E84-426E-40dd-AFC4-6F175D3DCCD1}">
-              <a14:hiddenFill xmlns="" xmlns:a14="http://schemas.microsoft.com/office/drawing/2010/main">
+              <a14:hiddenFill xmlns:a14="http://schemas.microsoft.com/office/drawing/2010/main" xmlns="">
                 <a:solidFill>
                   <a:srgbClr val="FFFFFF"/>
                 </a:solidFill>
               </a14:hiddenFill>
             </a:ext>
             <a:ext uri="{91240B29-F687-4f45-9708-019B960494DF}">
-              <a14:hiddenLine xmlns="" xmlns:a14="http://schemas.microsoft.com/office/drawing/2010/main" w="9525">
+              <a14:hiddenLine xmlns:a14="http://schemas.microsoft.com/office/drawing/2010/main" xmlns="" w="9525">
                 <a:solidFill>
                   <a:srgbClr val="000000"/>
                 </a:solidFill>
@@ -22582,17 +22647,17 @@
           </a:ln>
           <a:extLst>
             <a:ext uri="{FAA26D3D-D897-4be2-8F04-BA451C77F1D7}">
-              <ma14:placeholderFlag xmlns="" xmlns:ma14="http://schemas.microsoft.com/office/mac/drawingml/2011/main" val="1"/>
+              <ma14:placeholderFlag xmlns:ma14="http://schemas.microsoft.com/office/mac/drawingml/2011/main" xmlns="" val="1"/>
             </a:ext>
             <a:ext uri="{909E8E84-426E-40dd-AFC4-6F175D3DCCD1}">
-              <a14:hiddenFill xmlns="" xmlns:a14="http://schemas.microsoft.com/office/drawing/2010/main">
+              <a14:hiddenFill xmlns:a14="http://schemas.microsoft.com/office/drawing/2010/main" xmlns="">
                 <a:solidFill>
                   <a:srgbClr val="FFFFFF"/>
                 </a:solidFill>
               </a14:hiddenFill>
             </a:ext>
             <a:ext uri="{91240B29-F687-4f45-9708-019B960494DF}">
-              <a14:hiddenLine xmlns="" xmlns:a14="http://schemas.microsoft.com/office/drawing/2010/main" w="9525">
+              <a14:hiddenLine xmlns:a14="http://schemas.microsoft.com/office/drawing/2010/main" xmlns="" w="9525">
                 <a:solidFill>
                   <a:srgbClr val="000000"/>
                 </a:solidFill>
